--- a/final ppt (1).pptx
+++ b/final ppt (1).pptx
@@ -4035,13 +4035,13 @@
         <a:p>
           <a:pPr rtl="0"/>
           <a:r>
-            <a:rPr lang="en-US" sz="1400" baseline="0">
+            <a:rPr lang="en-US" sz="1400" baseline="0" dirty="0">
               <a:latin typeface="Times New Roman" panose="02020603050405020304" pitchFamily="18" charset="0"/>
               <a:cs typeface="Times New Roman" panose="02020603050405020304" pitchFamily="18" charset="0"/>
             </a:rPr>
             <a:t>Authentication.</a:t>
           </a:r>
-          <a:endParaRPr lang="en-US" sz="1400">
+          <a:endParaRPr lang="en-US" sz="1400" dirty="0">
             <a:latin typeface="Times New Roman" panose="02020603050405020304" pitchFamily="18" charset="0"/>
             <a:cs typeface="Times New Roman" panose="02020603050405020304" pitchFamily="18" charset="0"/>
           </a:endParaRPr>
@@ -4299,13 +4299,20 @@
         <a:p>
           <a:pPr rtl="0"/>
           <a:r>
-            <a:rPr lang="en-US" sz="1400" baseline="0">
+            <a:rPr lang="en-US" sz="1400" baseline="0" dirty="0">
               <a:latin typeface="Times New Roman" panose="02020603050405020304" pitchFamily="18" charset="0"/>
               <a:cs typeface="Times New Roman" panose="02020603050405020304" pitchFamily="18" charset="0"/>
             </a:rPr>
-            <a:t>Web application using JavaScript and node JS.</a:t>
+            <a:t>Web </a:t>
           </a:r>
-          <a:endParaRPr lang="en-US" sz="1400">
+          <a:r>
+            <a:rPr lang="en-US" sz="1400" baseline="0" dirty="0" smtClean="0">
+              <a:latin typeface="Times New Roman" panose="02020603050405020304" pitchFamily="18" charset="0"/>
+              <a:cs typeface="Times New Roman" panose="02020603050405020304" pitchFamily="18" charset="0"/>
+            </a:rPr>
+            <a:t>application.</a:t>
+          </a:r>
+          <a:endParaRPr lang="en-US" sz="1400" dirty="0">
             <a:latin typeface="Times New Roman" panose="02020603050405020304" pitchFamily="18" charset="0"/>
             <a:cs typeface="Times New Roman" panose="02020603050405020304" pitchFamily="18" charset="0"/>
           </a:endParaRPr>
@@ -4387,13 +4394,13 @@
         <a:p>
           <a:pPr rtl="0"/>
           <a:r>
-            <a:rPr lang="en-US" sz="1400" baseline="0">
+            <a:rPr lang="en-US" sz="1400" baseline="0" dirty="0">
               <a:latin typeface="Times New Roman" panose="02020603050405020304" pitchFamily="18" charset="0"/>
               <a:cs typeface="Times New Roman" panose="02020603050405020304" pitchFamily="18" charset="0"/>
             </a:rPr>
             <a:t>QR code Generation.</a:t>
           </a:r>
-          <a:endParaRPr lang="en-US" sz="1400">
+          <a:endParaRPr lang="en-US" sz="1400" dirty="0">
             <a:latin typeface="Times New Roman" panose="02020603050405020304" pitchFamily="18" charset="0"/>
             <a:cs typeface="Times New Roman" panose="02020603050405020304" pitchFamily="18" charset="0"/>
           </a:endParaRPr>
@@ -4611,7 +4618,7 @@
       <dgm:spPr/>
     </dgm:pt>
     <dgm:pt modelId="{158CF9EF-55D6-45A4-8B21-598846198B97}" type="pres">
-      <dgm:prSet presAssocID="{9AB6D8E7-86BD-4A09-9E94-09503E3538EE}" presName="node" presStyleLbl="alignAccFollowNode1" presStyleIdx="1" presStyleCnt="12">
+      <dgm:prSet presAssocID="{9AB6D8E7-86BD-4A09-9E94-09503E3538EE}" presName="node" presStyleLbl="alignAccFollowNode1" presStyleIdx="1" presStyleCnt="12" custScaleX="133651">
         <dgm:presLayoutVars>
           <dgm:bulletEnabled val="1"/>
         </dgm:presLayoutVars>
@@ -4710,7 +4717,7 @@
       <dgm:spPr/>
     </dgm:pt>
     <dgm:pt modelId="{3630A457-5CC4-40A5-A107-01C78963D87C}" type="pres">
-      <dgm:prSet presAssocID="{A0ACE738-1680-49A9-A2CF-D906803B030E}" presName="bigChev" presStyleLbl="node1" presStyleIdx="1" presStyleCnt="2"/>
+      <dgm:prSet presAssocID="{A0ACE738-1680-49A9-A2CF-D906803B030E}" presName="bigChev" presStyleLbl="node1" presStyleIdx="1" presStyleCnt="2" custScaleX="117696"/>
       <dgm:spPr/>
       <dgm:t>
         <a:bodyPr/>
@@ -4744,7 +4751,7 @@
       <dgm:spPr/>
     </dgm:pt>
     <dgm:pt modelId="{59ECF31A-0156-405E-9EE6-10BE123BFF6E}" type="pres">
-      <dgm:prSet presAssocID="{083A6C85-6FFB-4B4D-8D74-D8F48FD8829A}" presName="node" presStyleLbl="alignAccFollowNode1" presStyleIdx="7" presStyleCnt="12">
+      <dgm:prSet presAssocID="{083A6C85-6FFB-4B4D-8D74-D8F48FD8829A}" presName="node" presStyleLbl="alignAccFollowNode1" presStyleIdx="7" presStyleCnt="12" custScaleX="122999">
         <dgm:presLayoutVars>
           <dgm:bulletEnabled val="1"/>
         </dgm:presLayoutVars>
@@ -4836,35 +4843,35 @@
     </dgm:pt>
   </dgm:ptLst>
   <dgm:cxnLst>
+    <dgm:cxn modelId="{0F6308C2-8074-41F4-83E5-2449CE4AAE42}" type="presOf" srcId="{9AB6D8E7-86BD-4A09-9E94-09503E3538EE}" destId="{158CF9EF-55D6-45A4-8B21-598846198B97}" srcOrd="0" destOrd="0" presId="urn:microsoft.com/office/officeart/2005/8/layout/lProcess3"/>
+    <dgm:cxn modelId="{49332112-CAE3-4027-98F7-206072F6C946}" srcId="{A0ACE738-1680-49A9-A2CF-D906803B030E}" destId="{044F67A8-0C65-405B-8D23-00B0415270C1}" srcOrd="4" destOrd="0" parTransId="{6588AB7E-CBD5-4649-B6E3-25B31F5667C4}" sibTransId="{129AFC1F-730B-40DC-ABA7-1CD98C59C6BA}"/>
     <dgm:cxn modelId="{0CE6ECBA-B722-4295-B6B2-5259046092E9}" srcId="{A80ADC32-1240-44A9-8D10-689B131ED7C4}" destId="{549ACBF8-7430-46D9-8339-874950FB366A}" srcOrd="0" destOrd="0" parTransId="{AE219D22-E614-42D9-933D-F2CAABDD96DD}" sibTransId="{FE411B50-16E6-4BFE-BCED-3F3D642BD122}"/>
-    <dgm:cxn modelId="{0F6308C2-8074-41F4-83E5-2449CE4AAE42}" type="presOf" srcId="{9AB6D8E7-86BD-4A09-9E94-09503E3538EE}" destId="{158CF9EF-55D6-45A4-8B21-598846198B97}" srcOrd="0" destOrd="0" presId="urn:microsoft.com/office/officeart/2005/8/layout/lProcess3"/>
-    <dgm:cxn modelId="{79F4913A-47C1-458E-800D-449BC8892711}" srcId="{549ACBF8-7430-46D9-8339-874950FB366A}" destId="{4FF48E9C-E9AC-4281-B947-D8FFE3DECE5C}" srcOrd="5" destOrd="0" parTransId="{AD6C5DF5-E1B9-420E-AFE1-5E41149C2570}" sibTransId="{505D2657-8F3B-4007-A1B2-8CCFA7146CF7}"/>
-    <dgm:cxn modelId="{541A2BE4-F605-4139-A89C-0AFB006E6BB0}" srcId="{A0ACE738-1680-49A9-A2CF-D906803B030E}" destId="{2511BAFD-47B8-4760-8EF9-78CFD45E3974}" srcOrd="0" destOrd="0" parTransId="{60989FC9-0B14-4AA6-804D-223E28E67923}" sibTransId="{7C249041-5E17-4F84-990E-5F8426AEC0A6}"/>
-    <dgm:cxn modelId="{636607E7-43C7-4FD0-9749-C9245976A68A}" srcId="{A0ACE738-1680-49A9-A2CF-D906803B030E}" destId="{FF92E042-F1C1-4BC6-BA3F-C741F5ED9AB5}" srcOrd="5" destOrd="0" parTransId="{CD0106D6-F3F8-43D1-90B7-A48B899A1EAD}" sibTransId="{907133C3-2063-49AF-AF0C-9A21E4C33D9E}"/>
+    <dgm:cxn modelId="{07F83F7A-C77E-4639-A83D-5FBF94324F41}" type="presOf" srcId="{14588E69-6899-4F1F-B273-599A71EBC9D7}" destId="{1B82D982-125A-4B17-9093-4DD998576D21}" srcOrd="0" destOrd="0" presId="urn:microsoft.com/office/officeart/2005/8/layout/lProcess3"/>
+    <dgm:cxn modelId="{1626726C-54F0-46E4-A49B-6BB47C4884DC}" srcId="{A80ADC32-1240-44A9-8D10-689B131ED7C4}" destId="{A0ACE738-1680-49A9-A2CF-D906803B030E}" srcOrd="1" destOrd="0" parTransId="{A4A00D55-2074-405C-AB24-EB32EBA8645F}" sibTransId="{0AB44536-5AE8-4110-849A-66F7C6FC73DB}"/>
+    <dgm:cxn modelId="{FA10973D-8767-40DD-9300-26136123BDA3}" type="presOf" srcId="{549ACBF8-7430-46D9-8339-874950FB366A}" destId="{8897FB83-C378-44D3-B544-CCCA50E493FA}" srcOrd="0" destOrd="0" presId="urn:microsoft.com/office/officeart/2005/8/layout/lProcess3"/>
+    <dgm:cxn modelId="{0452ABD0-B8AF-4389-A49D-B494462EF935}" srcId="{549ACBF8-7430-46D9-8339-874950FB366A}" destId="{14588E69-6899-4F1F-B273-599A71EBC9D7}" srcOrd="2" destOrd="0" parTransId="{EAAB7090-D874-46C5-9CE1-D5E4FBD9834B}" sibTransId="{657EF155-E704-41B9-8E16-2C9B05F162EF}"/>
+    <dgm:cxn modelId="{13F4B846-3A4A-44F0-9189-89F28AE9915C}" srcId="{549ACBF8-7430-46D9-8339-874950FB366A}" destId="{B4B2491C-5DBC-436E-866C-A0494F15234A}" srcOrd="0" destOrd="0" parTransId="{C58778CF-5D33-43C0-96C4-1AAE055E3806}" sibTransId="{B9AE3E08-7401-40CF-BDE9-FDEE4A8DCB93}"/>
+    <dgm:cxn modelId="{C3EE9C67-B8B2-4C6A-B4D5-85CA9476923D}" type="presOf" srcId="{A00A666A-6AB4-495C-B885-6ABCD9D9C6FB}" destId="{48765ED3-077E-4B76-A89E-7C26D9BBEBC4}" srcOrd="0" destOrd="0" presId="urn:microsoft.com/office/officeart/2005/8/layout/lProcess3"/>
+    <dgm:cxn modelId="{8D96B745-6FC1-441A-84D2-6657BBF939E4}" srcId="{A0ACE738-1680-49A9-A2CF-D906803B030E}" destId="{083A6C85-6FFB-4B4D-8D74-D8F48FD8829A}" srcOrd="1" destOrd="0" parTransId="{B5562EFC-1557-49F8-B505-B45BA63813C6}" sibTransId="{B883A520-9975-45C4-A008-F841CED759DD}"/>
+    <dgm:cxn modelId="{DD5202E2-8C4D-43A8-BE0D-7D8CF3368668}" type="presOf" srcId="{B4B2491C-5DBC-436E-866C-A0494F15234A}" destId="{E686387D-616A-4F98-990F-FBCDBE8E26E5}" srcOrd="0" destOrd="0" presId="urn:microsoft.com/office/officeart/2005/8/layout/lProcess3"/>
     <dgm:cxn modelId="{7FE338E9-B6F9-4B44-973C-32BFC4F19575}" srcId="{549ACBF8-7430-46D9-8339-874950FB366A}" destId="{4BAAF9E6-4EEA-4F67-B767-038B4C129EF6}" srcOrd="4" destOrd="0" parTransId="{578CCCFE-0959-465C-8C7F-EF451BD3E318}" sibTransId="{0E766B73-2495-4B97-943D-F917B7F53DC7}"/>
-    <dgm:cxn modelId="{0EB28D21-0630-4964-BC16-4FBC0D63EE43}" type="presOf" srcId="{2511BAFD-47B8-4760-8EF9-78CFD45E3974}" destId="{2656222E-D64A-4B08-A85D-221DB764442B}" srcOrd="0" destOrd="0" presId="urn:microsoft.com/office/officeart/2005/8/layout/lProcess3"/>
-    <dgm:cxn modelId="{49332112-CAE3-4027-98F7-206072F6C946}" srcId="{A0ACE738-1680-49A9-A2CF-D906803B030E}" destId="{044F67A8-0C65-405B-8D23-00B0415270C1}" srcOrd="4" destOrd="0" parTransId="{6588AB7E-CBD5-4649-B6E3-25B31F5667C4}" sibTransId="{129AFC1F-730B-40DC-ABA7-1CD98C59C6BA}"/>
-    <dgm:cxn modelId="{4A828D74-D111-447A-AAF9-46D41F51B5E5}" type="presOf" srcId="{083A6C85-6FFB-4B4D-8D74-D8F48FD8829A}" destId="{59ECF31A-0156-405E-9EE6-10BE123BFF6E}" srcOrd="0" destOrd="0" presId="urn:microsoft.com/office/officeart/2005/8/layout/lProcess3"/>
-    <dgm:cxn modelId="{8D96B745-6FC1-441A-84D2-6657BBF939E4}" srcId="{A0ACE738-1680-49A9-A2CF-D906803B030E}" destId="{083A6C85-6FFB-4B4D-8D74-D8F48FD8829A}" srcOrd="1" destOrd="0" parTransId="{B5562EFC-1557-49F8-B505-B45BA63813C6}" sibTransId="{B883A520-9975-45C4-A008-F841CED759DD}"/>
-    <dgm:cxn modelId="{296330D7-E3EA-4CBD-916E-7310BB5EE1B2}" type="presOf" srcId="{4FF48E9C-E9AC-4281-B947-D8FFE3DECE5C}" destId="{1F3A26B7-5C5F-444E-B2F4-81A4EF68D39C}" srcOrd="0" destOrd="0" presId="urn:microsoft.com/office/officeart/2005/8/layout/lProcess3"/>
-    <dgm:cxn modelId="{4E79F56D-4ADA-4856-81A5-13E7B7BB6808}" srcId="{A0ACE738-1680-49A9-A2CF-D906803B030E}" destId="{A00A666A-6AB4-495C-B885-6ABCD9D9C6FB}" srcOrd="2" destOrd="0" parTransId="{6CF900BF-FEA0-4F4C-942D-DC3373394B80}" sibTransId="{37123E94-F4EA-4CA5-9A8F-E637094D8DFC}"/>
-    <dgm:cxn modelId="{1626726C-54F0-46E4-A49B-6BB47C4884DC}" srcId="{A80ADC32-1240-44A9-8D10-689B131ED7C4}" destId="{A0ACE738-1680-49A9-A2CF-D906803B030E}" srcOrd="1" destOrd="0" parTransId="{A4A00D55-2074-405C-AB24-EB32EBA8645F}" sibTransId="{0AB44536-5AE8-4110-849A-66F7C6FC73DB}"/>
+    <dgm:cxn modelId="{75F6B27D-A442-4C91-A7A9-A5B8AE199420}" type="presOf" srcId="{044F67A8-0C65-405B-8D23-00B0415270C1}" destId="{120A6866-71AF-4668-87F2-2D737620263E}" srcOrd="0" destOrd="0" presId="urn:microsoft.com/office/officeart/2005/8/layout/lProcess3"/>
+    <dgm:cxn modelId="{7896C46A-ACEC-4CF4-86D9-65F52CB87E06}" srcId="{A0ACE738-1680-49A9-A2CF-D906803B030E}" destId="{E2F21A9B-00DA-4D55-B768-C79D3328E3BE}" srcOrd="3" destOrd="0" parTransId="{3FBECDE3-B7DF-41C7-839A-967A79A9E31C}" sibTransId="{34E3A36A-4E21-4CB1-B0F0-55BF2B059753}"/>
     <dgm:cxn modelId="{595C99A7-D46B-44BB-ABC3-8F077590AD91}" type="presOf" srcId="{4BAAF9E6-4EEA-4F67-B767-038B4C129EF6}" destId="{08E94FF5-BC66-4B8D-8967-BE71F1CB4EDC}" srcOrd="0" destOrd="0" presId="urn:microsoft.com/office/officeart/2005/8/layout/lProcess3"/>
     <dgm:cxn modelId="{D56F8DFE-165F-40BA-A4E4-4E592B65E34F}" srcId="{549ACBF8-7430-46D9-8339-874950FB366A}" destId="{9AB6D8E7-86BD-4A09-9E94-09503E3538EE}" srcOrd="1" destOrd="0" parTransId="{B4805897-718D-47D9-8410-86FBE07C65A7}" sibTransId="{D9CCF4A3-B52A-43D1-9DCD-6DD1861A3B49}"/>
+    <dgm:cxn modelId="{636607E7-43C7-4FD0-9749-C9245976A68A}" srcId="{A0ACE738-1680-49A9-A2CF-D906803B030E}" destId="{FF92E042-F1C1-4BC6-BA3F-C741F5ED9AB5}" srcOrd="5" destOrd="0" parTransId="{CD0106D6-F3F8-43D1-90B7-A48B899A1EAD}" sibTransId="{907133C3-2063-49AF-AF0C-9A21E4C33D9E}"/>
+    <dgm:cxn modelId="{B1B9AAA5-1748-4253-AA4F-3EA0FC2B3FE7}" type="presOf" srcId="{FF92E042-F1C1-4BC6-BA3F-C741F5ED9AB5}" destId="{86A88084-04D1-453D-9EB9-B02F0C23CC18}" srcOrd="0" destOrd="0" presId="urn:microsoft.com/office/officeart/2005/8/layout/lProcess3"/>
+    <dgm:cxn modelId="{27387CF2-0AD1-4E7E-AC6B-84278399C2E8}" srcId="{549ACBF8-7430-46D9-8339-874950FB366A}" destId="{36D39F46-44D7-415F-AAFF-5457B1161AF6}" srcOrd="3" destOrd="0" parTransId="{638078A6-F5E3-494B-8E8B-F2155CD16EA1}" sibTransId="{50B78A94-15AC-4F2F-BD07-128463FB03D5}"/>
+    <dgm:cxn modelId="{4E79F56D-4ADA-4856-81A5-13E7B7BB6808}" srcId="{A0ACE738-1680-49A9-A2CF-D906803B030E}" destId="{A00A666A-6AB4-495C-B885-6ABCD9D9C6FB}" srcOrd="2" destOrd="0" parTransId="{6CF900BF-FEA0-4F4C-942D-DC3373394B80}" sibTransId="{37123E94-F4EA-4CA5-9A8F-E637094D8DFC}"/>
+    <dgm:cxn modelId="{296330D7-E3EA-4CBD-916E-7310BB5EE1B2}" type="presOf" srcId="{4FF48E9C-E9AC-4281-B947-D8FFE3DECE5C}" destId="{1F3A26B7-5C5F-444E-B2F4-81A4EF68D39C}" srcOrd="0" destOrd="0" presId="urn:microsoft.com/office/officeart/2005/8/layout/lProcess3"/>
+    <dgm:cxn modelId="{CFBBAB9D-982D-44E2-B39C-0255DD9A634C}" type="presOf" srcId="{A80ADC32-1240-44A9-8D10-689B131ED7C4}" destId="{C4C5BB40-2CB3-4FCC-A7B5-C0179DBBBF29}" srcOrd="0" destOrd="0" presId="urn:microsoft.com/office/officeart/2005/8/layout/lProcess3"/>
+    <dgm:cxn modelId="{79F4913A-47C1-458E-800D-449BC8892711}" srcId="{549ACBF8-7430-46D9-8339-874950FB366A}" destId="{4FF48E9C-E9AC-4281-B947-D8FFE3DECE5C}" srcOrd="5" destOrd="0" parTransId="{AD6C5DF5-E1B9-420E-AFE1-5E41149C2570}" sibTransId="{505D2657-8F3B-4007-A1B2-8CCFA7146CF7}"/>
+    <dgm:cxn modelId="{0EB28D21-0630-4964-BC16-4FBC0D63EE43}" type="presOf" srcId="{2511BAFD-47B8-4760-8EF9-78CFD45E3974}" destId="{2656222E-D64A-4B08-A85D-221DB764442B}" srcOrd="0" destOrd="0" presId="urn:microsoft.com/office/officeart/2005/8/layout/lProcess3"/>
     <dgm:cxn modelId="{5A40ECBD-BA98-484B-8866-8211C9586F02}" type="presOf" srcId="{36D39F46-44D7-415F-AAFF-5457B1161AF6}" destId="{0422B60C-0DD5-4DD4-B675-31405221A894}" srcOrd="0" destOrd="0" presId="urn:microsoft.com/office/officeart/2005/8/layout/lProcess3"/>
-    <dgm:cxn modelId="{7896C46A-ACEC-4CF4-86D9-65F52CB87E06}" srcId="{A0ACE738-1680-49A9-A2CF-D906803B030E}" destId="{E2F21A9B-00DA-4D55-B768-C79D3328E3BE}" srcOrd="3" destOrd="0" parTransId="{3FBECDE3-B7DF-41C7-839A-967A79A9E31C}" sibTransId="{34E3A36A-4E21-4CB1-B0F0-55BF2B059753}"/>
-    <dgm:cxn modelId="{07F83F7A-C77E-4639-A83D-5FBF94324F41}" type="presOf" srcId="{14588E69-6899-4F1F-B273-599A71EBC9D7}" destId="{1B82D982-125A-4B17-9093-4DD998576D21}" srcOrd="0" destOrd="0" presId="urn:microsoft.com/office/officeart/2005/8/layout/lProcess3"/>
     <dgm:cxn modelId="{38452B9F-079B-43EE-9A1D-BABB5DEF9DA7}" type="presOf" srcId="{E2F21A9B-00DA-4D55-B768-C79D3328E3BE}" destId="{CE31B4AC-3DDB-4EC4-811E-AFA799FA1C15}" srcOrd="0" destOrd="0" presId="urn:microsoft.com/office/officeart/2005/8/layout/lProcess3"/>
-    <dgm:cxn modelId="{0452ABD0-B8AF-4389-A49D-B494462EF935}" srcId="{549ACBF8-7430-46D9-8339-874950FB366A}" destId="{14588E69-6899-4F1F-B273-599A71EBC9D7}" srcOrd="2" destOrd="0" parTransId="{EAAB7090-D874-46C5-9CE1-D5E4FBD9834B}" sibTransId="{657EF155-E704-41B9-8E16-2C9B05F162EF}"/>
-    <dgm:cxn modelId="{13F4B846-3A4A-44F0-9189-89F28AE9915C}" srcId="{549ACBF8-7430-46D9-8339-874950FB366A}" destId="{B4B2491C-5DBC-436E-866C-A0494F15234A}" srcOrd="0" destOrd="0" parTransId="{C58778CF-5D33-43C0-96C4-1AAE055E3806}" sibTransId="{B9AE3E08-7401-40CF-BDE9-FDEE4A8DCB93}"/>
-    <dgm:cxn modelId="{75F6B27D-A442-4C91-A7A9-A5B8AE199420}" type="presOf" srcId="{044F67A8-0C65-405B-8D23-00B0415270C1}" destId="{120A6866-71AF-4668-87F2-2D737620263E}" srcOrd="0" destOrd="0" presId="urn:microsoft.com/office/officeart/2005/8/layout/lProcess3"/>
-    <dgm:cxn modelId="{C3EE9C67-B8B2-4C6A-B4D5-85CA9476923D}" type="presOf" srcId="{A00A666A-6AB4-495C-B885-6ABCD9D9C6FB}" destId="{48765ED3-077E-4B76-A89E-7C26D9BBEBC4}" srcOrd="0" destOrd="0" presId="urn:microsoft.com/office/officeart/2005/8/layout/lProcess3"/>
-    <dgm:cxn modelId="{27387CF2-0AD1-4E7E-AC6B-84278399C2E8}" srcId="{549ACBF8-7430-46D9-8339-874950FB366A}" destId="{36D39F46-44D7-415F-AAFF-5457B1161AF6}" srcOrd="3" destOrd="0" parTransId="{638078A6-F5E3-494B-8E8B-F2155CD16EA1}" sibTransId="{50B78A94-15AC-4F2F-BD07-128463FB03D5}"/>
     <dgm:cxn modelId="{3B3BC6A7-D0F5-4A43-BBD5-A959D8BFBF5F}" type="presOf" srcId="{A0ACE738-1680-49A9-A2CF-D906803B030E}" destId="{3630A457-5CC4-40A5-A107-01C78963D87C}" srcOrd="0" destOrd="0" presId="urn:microsoft.com/office/officeart/2005/8/layout/lProcess3"/>
-    <dgm:cxn modelId="{DD5202E2-8C4D-43A8-BE0D-7D8CF3368668}" type="presOf" srcId="{B4B2491C-5DBC-436E-866C-A0494F15234A}" destId="{E686387D-616A-4F98-990F-FBCDBE8E26E5}" srcOrd="0" destOrd="0" presId="urn:microsoft.com/office/officeart/2005/8/layout/lProcess3"/>
-    <dgm:cxn modelId="{FA10973D-8767-40DD-9300-26136123BDA3}" type="presOf" srcId="{549ACBF8-7430-46D9-8339-874950FB366A}" destId="{8897FB83-C378-44D3-B544-CCCA50E493FA}" srcOrd="0" destOrd="0" presId="urn:microsoft.com/office/officeart/2005/8/layout/lProcess3"/>
-    <dgm:cxn modelId="{CFBBAB9D-982D-44E2-B39C-0255DD9A634C}" type="presOf" srcId="{A80ADC32-1240-44A9-8D10-689B131ED7C4}" destId="{C4C5BB40-2CB3-4FCC-A7B5-C0179DBBBF29}" srcOrd="0" destOrd="0" presId="urn:microsoft.com/office/officeart/2005/8/layout/lProcess3"/>
-    <dgm:cxn modelId="{B1B9AAA5-1748-4253-AA4F-3EA0FC2B3FE7}" type="presOf" srcId="{FF92E042-F1C1-4BC6-BA3F-C741F5ED9AB5}" destId="{86A88084-04D1-453D-9EB9-B02F0C23CC18}" srcOrd="0" destOrd="0" presId="urn:microsoft.com/office/officeart/2005/8/layout/lProcess3"/>
+    <dgm:cxn modelId="{541A2BE4-F605-4139-A89C-0AFB006E6BB0}" srcId="{A0ACE738-1680-49A9-A2CF-D906803B030E}" destId="{2511BAFD-47B8-4760-8EF9-78CFD45E3974}" srcOrd="0" destOrd="0" parTransId="{60989FC9-0B14-4AA6-804D-223E28E67923}" sibTransId="{7C249041-5E17-4F84-990E-5F8426AEC0A6}"/>
+    <dgm:cxn modelId="{4A828D74-D111-447A-AAF9-46D41F51B5E5}" type="presOf" srcId="{083A6C85-6FFB-4B4D-8D74-D8F48FD8829A}" destId="{59ECF31A-0156-405E-9EE6-10BE123BFF6E}" srcOrd="0" destOrd="0" presId="urn:microsoft.com/office/officeart/2005/8/layout/lProcess3"/>
     <dgm:cxn modelId="{71EF369B-BB3F-4696-BAF7-AC2B38808F4B}" type="presParOf" srcId="{C4C5BB40-2CB3-4FCC-A7B5-C0179DBBBF29}" destId="{144BC6F2-0B73-49AC-AC02-AAF3E83C24EB}" srcOrd="0" destOrd="0" presId="urn:microsoft.com/office/officeart/2005/8/layout/lProcess3"/>
     <dgm:cxn modelId="{DF21FEDF-2779-4399-AD79-4A486854C540}" type="presParOf" srcId="{144BC6F2-0B73-49AC-AC02-AAF3E83C24EB}" destId="{8897FB83-C378-44D3-B544-CCCA50E493FA}" srcOrd="0" destOrd="0" presId="urn:microsoft.com/office/officeart/2005/8/layout/lProcess3"/>
     <dgm:cxn modelId="{69232E6A-73F4-4EDF-AA14-54CD52261A0D}" type="presParOf" srcId="{144BC6F2-0B73-49AC-AC02-AAF3E83C24EB}" destId="{25215EDD-48C1-4736-A8BD-0063033D24E7}" srcOrd="1" destOrd="0" presId="urn:microsoft.com/office/officeart/2005/8/layout/lProcess3"/>
@@ -5558,7 +5565,7 @@
       <dgm:spPr/>
     </dgm:pt>
     <dgm:pt modelId="{53587B7A-CE83-4C53-8A75-DBF752593546}" type="pres">
-      <dgm:prSet presAssocID="{8ED92E66-6407-44FD-921E-FE84F85EC276}" presName="bigChev" presStyleLbl="node1" presStyleIdx="0" presStyleCnt="2"/>
+      <dgm:prSet presAssocID="{8ED92E66-6407-44FD-921E-FE84F85EC276}" presName="bigChev" presStyleLbl="node1" presStyleIdx="0" presStyleCnt="2" custScaleX="128296"/>
       <dgm:spPr/>
       <dgm:t>
         <a:bodyPr/>
@@ -5691,7 +5698,7 @@
       <dgm:spPr/>
     </dgm:pt>
     <dgm:pt modelId="{94FBA5BC-C6BE-4CFB-AAFE-632C3D6BA861}" type="pres">
-      <dgm:prSet presAssocID="{C2F9F271-64B0-41D6-A7D5-27382FD51ABF}" presName="bigChev" presStyleLbl="node1" presStyleIdx="1" presStyleCnt="2"/>
+      <dgm:prSet presAssocID="{C2F9F271-64B0-41D6-A7D5-27382FD51ABF}" presName="bigChev" presStyleLbl="node1" presStyleIdx="1" presStyleCnt="2" custScaleX="152957"/>
       <dgm:spPr/>
       <dgm:t>
         <a:bodyPr/>
@@ -7899,8 +7906,8 @@
     <dgm:cxn modelId="{C9BCE58D-0797-4C79-94F0-C4B04CD35FE1}" type="presOf" srcId="{5119293E-CFF1-40DC-91B0-4ADC169E690A}" destId="{B24BCCF6-4F1C-4DCC-A666-8A2E435C92FE}" srcOrd="0" destOrd="0" presId="urn:microsoft.com/office/officeart/2005/8/layout/vProcess5"/>
     <dgm:cxn modelId="{6E821108-AA4C-4FCE-906C-7B527205F425}" type="presOf" srcId="{0643BB84-6196-4D47-953E-29DD7A990B54}" destId="{0CD94A37-2283-4723-AF39-0C5B9DE811BF}" srcOrd="0" destOrd="0" presId="urn:microsoft.com/office/officeart/2005/8/layout/vProcess5"/>
     <dgm:cxn modelId="{9678E520-DA97-4D9C-939A-4DCF9B11AA2F}" srcId="{5119293E-CFF1-40DC-91B0-4ADC169E690A}" destId="{740F11C0-1918-4491-8E8D-F9E393D6DC62}" srcOrd="1" destOrd="0" parTransId="{2CB00DC9-C7F6-4607-93B1-38F3306CD7C1}" sibTransId="{4BF9180C-3D66-4B05-B512-DB0404B3D62A}"/>
+    <dgm:cxn modelId="{4A769CA4-299A-415F-9EAA-DF2A946246BB}" srcId="{5119293E-CFF1-40DC-91B0-4ADC169E690A}" destId="{2D28ACD1-25D9-461F-AFFA-AF0D4524C925}" srcOrd="0" destOrd="0" parTransId="{C8C4723F-FA93-47BC-A192-A522C3D631BB}" sibTransId="{0643BB84-6196-4D47-953E-29DD7A990B54}"/>
     <dgm:cxn modelId="{F8CCF261-9A97-4534-B937-AB878397B7E3}" type="presOf" srcId="{2D28ACD1-25D9-461F-AFFA-AF0D4524C925}" destId="{BF775206-9782-4B74-9469-81B825259D87}" srcOrd="1" destOrd="0" presId="urn:microsoft.com/office/officeart/2005/8/layout/vProcess5"/>
-    <dgm:cxn modelId="{4A769CA4-299A-415F-9EAA-DF2A946246BB}" srcId="{5119293E-CFF1-40DC-91B0-4ADC169E690A}" destId="{2D28ACD1-25D9-461F-AFFA-AF0D4524C925}" srcOrd="0" destOrd="0" parTransId="{C8C4723F-FA93-47BC-A192-A522C3D631BB}" sibTransId="{0643BB84-6196-4D47-953E-29DD7A990B54}"/>
     <dgm:cxn modelId="{4F48B4CB-5F39-4D50-A374-F942DD055BA4}" type="presOf" srcId="{740F11C0-1918-4491-8E8D-F9E393D6DC62}" destId="{04D8DCE0-082C-4FDA-A223-020C34F2DBEB}" srcOrd="1" destOrd="0" presId="urn:microsoft.com/office/officeart/2005/8/layout/vProcess5"/>
     <dgm:cxn modelId="{5847FDF1-B5CD-4813-9A57-54FC25BEA462}" type="presOf" srcId="{740F11C0-1918-4491-8E8D-F9E393D6DC62}" destId="{CC88045C-E3EE-4D81-A4AE-31DEF16487ED}" srcOrd="0" destOrd="0" presId="urn:microsoft.com/office/officeart/2005/8/layout/vProcess5"/>
     <dgm:cxn modelId="{7A1E6BEF-802B-4533-A187-D1A0A7A0FE31}" type="presOf" srcId="{4BF9180C-3D66-4B05-B512-DB0404B3D62A}" destId="{72F63057-082D-42E7-B85C-FC47DD028363}" srcOrd="0" destOrd="0" presId="urn:microsoft.com/office/officeart/2005/8/layout/vProcess5"/>
@@ -7941,8 +7948,8 @@
       </dsp:nvSpPr>
       <dsp:spPr>
         <a:xfrm>
-          <a:off x="2521" y="1436506"/>
-          <a:ext cx="1971847" cy="788738"/>
+          <a:off x="4625" y="1125152"/>
+          <a:ext cx="1842421" cy="736968"/>
         </a:xfrm>
         <a:prstGeom prst="chevron">
           <a:avLst/>
@@ -8013,8 +8020,8 @@
         </a:p>
       </dsp:txBody>
       <dsp:txXfrm>
-        <a:off x="396890" y="1436506"/>
-        <a:ext cx="1183109" cy="788738"/>
+        <a:off x="373109" y="1125152"/>
+        <a:ext cx="1105453" cy="736968"/>
       </dsp:txXfrm>
     </dsp:sp>
     <dsp:sp modelId="{E686387D-616A-4F98-990F-FBCDBE8E26E5}">
@@ -8024,8 +8031,8 @@
       </dsp:nvSpPr>
       <dsp:spPr>
         <a:xfrm>
-          <a:off x="1718028" y="1503549"/>
-          <a:ext cx="1636633" cy="654653"/>
+          <a:off x="1607532" y="1187795"/>
+          <a:ext cx="1529209" cy="611683"/>
         </a:xfrm>
         <a:prstGeom prst="chevron">
           <a:avLst/>
@@ -8098,8 +8105,8 @@
         </a:p>
       </dsp:txBody>
       <dsp:txXfrm>
-        <a:off x="2045355" y="1503549"/>
-        <a:ext cx="981980" cy="654653"/>
+        <a:off x="1913374" y="1187795"/>
+        <a:ext cx="917526" cy="611683"/>
       </dsp:txXfrm>
     </dsp:sp>
     <dsp:sp modelId="{158CF9EF-55D6-45A4-8B21-598846198B97}">
@@ -8109,8 +8116,608 @@
       </dsp:nvSpPr>
       <dsp:spPr>
         <a:xfrm>
-          <a:off x="3125533" y="1503549"/>
-          <a:ext cx="1636633" cy="654653"/>
+          <a:off x="2922652" y="1187795"/>
+          <a:ext cx="2043803" cy="611683"/>
+        </a:xfrm>
+        <a:prstGeom prst="chevron">
+          <a:avLst/>
+        </a:prstGeom>
+        <a:solidFill>
+          <a:schemeClr val="accent1">
+            <a:alpha val="90000"/>
+            <a:tint val="40000"/>
+            <a:hueOff val="0"/>
+            <a:satOff val="0"/>
+            <a:lumOff val="0"/>
+            <a:alphaOff val="0"/>
+          </a:schemeClr>
+        </a:solidFill>
+        <a:ln w="19050" cap="flat" cmpd="sng" algn="ctr">
+          <a:solidFill>
+            <a:schemeClr val="accent1">
+              <a:alpha val="90000"/>
+              <a:tint val="40000"/>
+              <a:hueOff val="0"/>
+              <a:satOff val="0"/>
+              <a:lumOff val="0"/>
+              <a:alphaOff val="0"/>
+            </a:schemeClr>
+          </a:solidFill>
+          <a:prstDash val="solid"/>
+        </a:ln>
+        <a:effectLst/>
+      </dsp:spPr>
+      <dsp:style>
+        <a:lnRef idx="2">
+          <a:scrgbClr r="0" g="0" b="0"/>
+        </a:lnRef>
+        <a:fillRef idx="1">
+          <a:scrgbClr r="0" g="0" b="0"/>
+        </a:fillRef>
+        <a:effectRef idx="0">
+          <a:scrgbClr r="0" g="0" b="0"/>
+        </a:effectRef>
+        <a:fontRef idx="minor"/>
+      </dsp:style>
+      <dsp:txBody>
+        <a:bodyPr spcFirstLastPara="0" vert="horz" wrap="square" lIns="17780" tIns="8890" rIns="0" bIns="8890" numCol="1" spcCol="1270" anchor="ctr" anchorCtr="0">
+          <a:noAutofit/>
+        </a:bodyPr>
+        <a:lstStyle/>
+        <a:p>
+          <a:pPr lvl="0" algn="ctr" defTabSz="622300" rtl="0">
+            <a:lnSpc>
+              <a:spcPct val="90000"/>
+            </a:lnSpc>
+            <a:spcBef>
+              <a:spcPct val="0"/>
+            </a:spcBef>
+            <a:spcAft>
+              <a:spcPct val="35000"/>
+            </a:spcAft>
+          </a:pPr>
+          <a:r>
+            <a:rPr lang="en-US" sz="1400" kern="1200" baseline="0" dirty="0">
+              <a:latin typeface="Times New Roman" panose="02020603050405020304" pitchFamily="18" charset="0"/>
+              <a:cs typeface="Times New Roman" panose="02020603050405020304" pitchFamily="18" charset="0"/>
+            </a:rPr>
+            <a:t>Authentication.</a:t>
+          </a:r>
+          <a:endParaRPr lang="en-US" sz="1400" kern="1200" dirty="0">
+            <a:latin typeface="Times New Roman" panose="02020603050405020304" pitchFamily="18" charset="0"/>
+            <a:cs typeface="Times New Roman" panose="02020603050405020304" pitchFamily="18" charset="0"/>
+          </a:endParaRPr>
+        </a:p>
+      </dsp:txBody>
+      <dsp:txXfrm>
+        <a:off x="3228494" y="1187795"/>
+        <a:ext cx="1432120" cy="611683"/>
+      </dsp:txXfrm>
+    </dsp:sp>
+    <dsp:sp modelId="{1B82D982-125A-4B17-9093-4DD998576D21}">
+      <dsp:nvSpPr>
+        <dsp:cNvPr id="0" name=""/>
+        <dsp:cNvSpPr/>
+      </dsp:nvSpPr>
+      <dsp:spPr>
+        <a:xfrm>
+          <a:off x="4752367" y="1187795"/>
+          <a:ext cx="1529209" cy="611683"/>
+        </a:xfrm>
+        <a:prstGeom prst="chevron">
+          <a:avLst/>
+        </a:prstGeom>
+        <a:solidFill>
+          <a:schemeClr val="accent1">
+            <a:alpha val="90000"/>
+            <a:tint val="40000"/>
+            <a:hueOff val="0"/>
+            <a:satOff val="0"/>
+            <a:lumOff val="0"/>
+            <a:alphaOff val="0"/>
+          </a:schemeClr>
+        </a:solidFill>
+        <a:ln w="19050" cap="flat" cmpd="sng" algn="ctr">
+          <a:solidFill>
+            <a:schemeClr val="accent1">
+              <a:alpha val="90000"/>
+              <a:tint val="40000"/>
+              <a:hueOff val="0"/>
+              <a:satOff val="0"/>
+              <a:lumOff val="0"/>
+              <a:alphaOff val="0"/>
+            </a:schemeClr>
+          </a:solidFill>
+          <a:prstDash val="solid"/>
+        </a:ln>
+        <a:effectLst/>
+      </dsp:spPr>
+      <dsp:style>
+        <a:lnRef idx="2">
+          <a:scrgbClr r="0" g="0" b="0"/>
+        </a:lnRef>
+        <a:fillRef idx="1">
+          <a:scrgbClr r="0" g="0" b="0"/>
+        </a:fillRef>
+        <a:effectRef idx="0">
+          <a:scrgbClr r="0" g="0" b="0"/>
+        </a:effectRef>
+        <a:fontRef idx="minor"/>
+      </dsp:style>
+      <dsp:txBody>
+        <a:bodyPr spcFirstLastPara="0" vert="horz" wrap="square" lIns="17780" tIns="8890" rIns="0" bIns="8890" numCol="1" spcCol="1270" anchor="ctr" anchorCtr="0">
+          <a:noAutofit/>
+        </a:bodyPr>
+        <a:lstStyle/>
+        <a:p>
+          <a:pPr lvl="0" algn="ctr" defTabSz="622300" rtl="0">
+            <a:lnSpc>
+              <a:spcPct val="90000"/>
+            </a:lnSpc>
+            <a:spcBef>
+              <a:spcPct val="0"/>
+            </a:spcBef>
+            <a:spcAft>
+              <a:spcPct val="35000"/>
+            </a:spcAft>
+          </a:pPr>
+          <a:r>
+            <a:rPr lang="en-US" sz="1400" kern="1200" baseline="0">
+              <a:latin typeface="Times New Roman" panose="02020603050405020304" pitchFamily="18" charset="0"/>
+              <a:cs typeface="Times New Roman" panose="02020603050405020304" pitchFamily="18" charset="0"/>
+            </a:rPr>
+            <a:t>QR code Generation.</a:t>
+          </a:r>
+          <a:endParaRPr lang="en-US" sz="1400" kern="1200">
+            <a:latin typeface="Times New Roman" panose="02020603050405020304" pitchFamily="18" charset="0"/>
+            <a:cs typeface="Times New Roman" panose="02020603050405020304" pitchFamily="18" charset="0"/>
+          </a:endParaRPr>
+        </a:p>
+      </dsp:txBody>
+      <dsp:txXfrm>
+        <a:off x="5058209" y="1187795"/>
+        <a:ext cx="917526" cy="611683"/>
+      </dsp:txXfrm>
+    </dsp:sp>
+    <dsp:sp modelId="{0422B60C-0DD5-4DD4-B675-31405221A894}">
+      <dsp:nvSpPr>
+        <dsp:cNvPr id="0" name=""/>
+        <dsp:cNvSpPr/>
+      </dsp:nvSpPr>
+      <dsp:spPr>
+        <a:xfrm>
+          <a:off x="6067487" y="1187795"/>
+          <a:ext cx="1529209" cy="611683"/>
+        </a:xfrm>
+        <a:prstGeom prst="chevron">
+          <a:avLst/>
+        </a:prstGeom>
+        <a:solidFill>
+          <a:schemeClr val="accent1">
+            <a:alpha val="90000"/>
+            <a:tint val="40000"/>
+            <a:hueOff val="0"/>
+            <a:satOff val="0"/>
+            <a:lumOff val="0"/>
+            <a:alphaOff val="0"/>
+          </a:schemeClr>
+        </a:solidFill>
+        <a:ln w="19050" cap="flat" cmpd="sng" algn="ctr">
+          <a:solidFill>
+            <a:schemeClr val="accent1">
+              <a:alpha val="90000"/>
+              <a:tint val="40000"/>
+              <a:hueOff val="0"/>
+              <a:satOff val="0"/>
+              <a:lumOff val="0"/>
+              <a:alphaOff val="0"/>
+            </a:schemeClr>
+          </a:solidFill>
+          <a:prstDash val="solid"/>
+        </a:ln>
+        <a:effectLst/>
+      </dsp:spPr>
+      <dsp:style>
+        <a:lnRef idx="2">
+          <a:scrgbClr r="0" g="0" b="0"/>
+        </a:lnRef>
+        <a:fillRef idx="1">
+          <a:scrgbClr r="0" g="0" b="0"/>
+        </a:fillRef>
+        <a:effectRef idx="0">
+          <a:scrgbClr r="0" g="0" b="0"/>
+        </a:effectRef>
+        <a:fontRef idx="minor"/>
+      </dsp:style>
+      <dsp:txBody>
+        <a:bodyPr spcFirstLastPara="0" vert="horz" wrap="square" lIns="17780" tIns="8890" rIns="0" bIns="8890" numCol="1" spcCol="1270" anchor="ctr" anchorCtr="0">
+          <a:noAutofit/>
+        </a:bodyPr>
+        <a:lstStyle/>
+        <a:p>
+          <a:pPr lvl="0" algn="ctr" defTabSz="622300" rtl="0">
+            <a:lnSpc>
+              <a:spcPct val="90000"/>
+            </a:lnSpc>
+            <a:spcBef>
+              <a:spcPct val="0"/>
+            </a:spcBef>
+            <a:spcAft>
+              <a:spcPct val="35000"/>
+            </a:spcAft>
+          </a:pPr>
+          <a:r>
+            <a:rPr lang="en-US" sz="1400" kern="1200" baseline="0">
+              <a:latin typeface="Times New Roman" panose="02020603050405020304" pitchFamily="18" charset="0"/>
+              <a:cs typeface="Times New Roman" panose="02020603050405020304" pitchFamily="18" charset="0"/>
+            </a:rPr>
+            <a:t>QR code Display.</a:t>
+          </a:r>
+          <a:endParaRPr lang="en-US" sz="1400" kern="1200">
+            <a:latin typeface="Times New Roman" panose="02020603050405020304" pitchFamily="18" charset="0"/>
+            <a:cs typeface="Times New Roman" panose="02020603050405020304" pitchFamily="18" charset="0"/>
+          </a:endParaRPr>
+        </a:p>
+      </dsp:txBody>
+      <dsp:txXfrm>
+        <a:off x="6373329" y="1187795"/>
+        <a:ext cx="917526" cy="611683"/>
+      </dsp:txXfrm>
+    </dsp:sp>
+    <dsp:sp modelId="{08E94FF5-BC66-4B8D-8967-BE71F1CB4EDC}">
+      <dsp:nvSpPr>
+        <dsp:cNvPr id="0" name=""/>
+        <dsp:cNvSpPr/>
+      </dsp:nvSpPr>
+      <dsp:spPr>
+        <a:xfrm>
+          <a:off x="7382607" y="1187795"/>
+          <a:ext cx="1529209" cy="611683"/>
+        </a:xfrm>
+        <a:prstGeom prst="chevron">
+          <a:avLst/>
+        </a:prstGeom>
+        <a:solidFill>
+          <a:schemeClr val="accent1">
+            <a:alpha val="90000"/>
+            <a:tint val="40000"/>
+            <a:hueOff val="0"/>
+            <a:satOff val="0"/>
+            <a:lumOff val="0"/>
+            <a:alphaOff val="0"/>
+          </a:schemeClr>
+        </a:solidFill>
+        <a:ln w="19050" cap="flat" cmpd="sng" algn="ctr">
+          <a:solidFill>
+            <a:schemeClr val="accent1">
+              <a:alpha val="90000"/>
+              <a:tint val="40000"/>
+              <a:hueOff val="0"/>
+              <a:satOff val="0"/>
+              <a:lumOff val="0"/>
+              <a:alphaOff val="0"/>
+            </a:schemeClr>
+          </a:solidFill>
+          <a:prstDash val="solid"/>
+        </a:ln>
+        <a:effectLst/>
+      </dsp:spPr>
+      <dsp:style>
+        <a:lnRef idx="2">
+          <a:scrgbClr r="0" g="0" b="0"/>
+        </a:lnRef>
+        <a:fillRef idx="1">
+          <a:scrgbClr r="0" g="0" b="0"/>
+        </a:fillRef>
+        <a:effectRef idx="0">
+          <a:scrgbClr r="0" g="0" b="0"/>
+        </a:effectRef>
+        <a:fontRef idx="minor"/>
+      </dsp:style>
+      <dsp:txBody>
+        <a:bodyPr spcFirstLastPara="0" vert="horz" wrap="square" lIns="17780" tIns="8890" rIns="0" bIns="8890" numCol="1" spcCol="1270" anchor="ctr" anchorCtr="0">
+          <a:noAutofit/>
+        </a:bodyPr>
+        <a:lstStyle/>
+        <a:p>
+          <a:pPr lvl="0" algn="ctr" defTabSz="622300" rtl="0">
+            <a:lnSpc>
+              <a:spcPct val="90000"/>
+            </a:lnSpc>
+            <a:spcBef>
+              <a:spcPct val="0"/>
+            </a:spcBef>
+            <a:spcAft>
+              <a:spcPct val="35000"/>
+            </a:spcAft>
+          </a:pPr>
+          <a:r>
+            <a:rPr lang="en-US" sz="1400" kern="1200" baseline="0">
+              <a:latin typeface="Times New Roman" panose="02020603050405020304" pitchFamily="18" charset="0"/>
+              <a:cs typeface="Times New Roman" panose="02020603050405020304" pitchFamily="18" charset="0"/>
+            </a:rPr>
+            <a:t>Manage the students attendance.</a:t>
+          </a:r>
+          <a:endParaRPr lang="en-US" sz="1400" kern="1200">
+            <a:latin typeface="Times New Roman" panose="02020603050405020304" pitchFamily="18" charset="0"/>
+            <a:cs typeface="Times New Roman" panose="02020603050405020304" pitchFamily="18" charset="0"/>
+          </a:endParaRPr>
+        </a:p>
+      </dsp:txBody>
+      <dsp:txXfrm>
+        <a:off x="7688449" y="1187795"/>
+        <a:ext cx="917526" cy="611683"/>
+      </dsp:txXfrm>
+    </dsp:sp>
+    <dsp:sp modelId="{1F3A26B7-5C5F-444E-B2F4-81A4EF68D39C}">
+      <dsp:nvSpPr>
+        <dsp:cNvPr id="0" name=""/>
+        <dsp:cNvSpPr/>
+      </dsp:nvSpPr>
+      <dsp:spPr>
+        <a:xfrm>
+          <a:off x="8697728" y="1187795"/>
+          <a:ext cx="1529209" cy="611683"/>
+        </a:xfrm>
+        <a:prstGeom prst="chevron">
+          <a:avLst/>
+        </a:prstGeom>
+        <a:solidFill>
+          <a:schemeClr val="accent1">
+            <a:alpha val="90000"/>
+            <a:tint val="40000"/>
+            <a:hueOff val="0"/>
+            <a:satOff val="0"/>
+            <a:lumOff val="0"/>
+            <a:alphaOff val="0"/>
+          </a:schemeClr>
+        </a:solidFill>
+        <a:ln w="19050" cap="flat" cmpd="sng" algn="ctr">
+          <a:solidFill>
+            <a:schemeClr val="accent1">
+              <a:alpha val="90000"/>
+              <a:tint val="40000"/>
+              <a:hueOff val="0"/>
+              <a:satOff val="0"/>
+              <a:lumOff val="0"/>
+              <a:alphaOff val="0"/>
+            </a:schemeClr>
+          </a:solidFill>
+          <a:prstDash val="solid"/>
+        </a:ln>
+        <a:effectLst/>
+      </dsp:spPr>
+      <dsp:style>
+        <a:lnRef idx="2">
+          <a:scrgbClr r="0" g="0" b="0"/>
+        </a:lnRef>
+        <a:fillRef idx="1">
+          <a:scrgbClr r="0" g="0" b="0"/>
+        </a:fillRef>
+        <a:effectRef idx="0">
+          <a:scrgbClr r="0" g="0" b="0"/>
+        </a:effectRef>
+        <a:fontRef idx="minor"/>
+      </dsp:style>
+      <dsp:txBody>
+        <a:bodyPr spcFirstLastPara="0" vert="horz" wrap="square" lIns="17780" tIns="8890" rIns="0" bIns="8890" numCol="1" spcCol="1270" anchor="ctr" anchorCtr="0">
+          <a:noAutofit/>
+        </a:bodyPr>
+        <a:lstStyle/>
+        <a:p>
+          <a:pPr lvl="0" algn="ctr" defTabSz="622300" rtl="0">
+            <a:lnSpc>
+              <a:spcPct val="90000"/>
+            </a:lnSpc>
+            <a:spcBef>
+              <a:spcPct val="0"/>
+            </a:spcBef>
+            <a:spcAft>
+              <a:spcPct val="35000"/>
+            </a:spcAft>
+          </a:pPr>
+          <a:r>
+            <a:rPr lang="en-US" sz="1400" kern="1200" baseline="0" dirty="0">
+              <a:latin typeface="Times New Roman" panose="02020603050405020304" pitchFamily="18" charset="0"/>
+              <a:cs typeface="Times New Roman" panose="02020603050405020304" pitchFamily="18" charset="0"/>
+            </a:rPr>
+            <a:t>Appropriate Feedback</a:t>
+          </a:r>
+          <a:endParaRPr lang="en-US" sz="1400" kern="1200" dirty="0">
+            <a:latin typeface="Times New Roman" panose="02020603050405020304" pitchFamily="18" charset="0"/>
+            <a:cs typeface="Times New Roman" panose="02020603050405020304" pitchFamily="18" charset="0"/>
+          </a:endParaRPr>
+        </a:p>
+      </dsp:txBody>
+      <dsp:txXfrm>
+        <a:off x="9003570" y="1187795"/>
+        <a:ext cx="917526" cy="611683"/>
+      </dsp:txXfrm>
+    </dsp:sp>
+    <dsp:sp modelId="{3630A457-5CC4-40A5-A107-01C78963D87C}">
+      <dsp:nvSpPr>
+        <dsp:cNvPr id="0" name=""/>
+        <dsp:cNvSpPr/>
+      </dsp:nvSpPr>
+      <dsp:spPr>
+        <a:xfrm>
+          <a:off x="4625" y="1965296"/>
+          <a:ext cx="2168456" cy="736968"/>
+        </a:xfrm>
+        <a:prstGeom prst="chevron">
+          <a:avLst/>
+        </a:prstGeom>
+        <a:solidFill>
+          <a:schemeClr val="accent1">
+            <a:hueOff val="0"/>
+            <a:satOff val="0"/>
+            <a:lumOff val="0"/>
+            <a:alphaOff val="0"/>
+          </a:schemeClr>
+        </a:solidFill>
+        <a:ln w="19050" cap="flat" cmpd="sng" algn="ctr">
+          <a:solidFill>
+            <a:schemeClr val="lt1">
+              <a:hueOff val="0"/>
+              <a:satOff val="0"/>
+              <a:lumOff val="0"/>
+              <a:alphaOff val="0"/>
+            </a:schemeClr>
+          </a:solidFill>
+          <a:prstDash val="solid"/>
+        </a:ln>
+        <a:effectLst/>
+      </dsp:spPr>
+      <dsp:style>
+        <a:lnRef idx="2">
+          <a:scrgbClr r="0" g="0" b="0"/>
+        </a:lnRef>
+        <a:fillRef idx="1">
+          <a:scrgbClr r="0" g="0" b="0"/>
+        </a:fillRef>
+        <a:effectRef idx="0">
+          <a:scrgbClr r="0" g="0" b="0"/>
+        </a:effectRef>
+        <a:fontRef idx="minor">
+          <a:schemeClr val="lt1"/>
+        </a:fontRef>
+      </dsp:style>
+      <dsp:txBody>
+        <a:bodyPr spcFirstLastPara="0" vert="horz" wrap="square" lIns="17780" tIns="8890" rIns="0" bIns="8890" numCol="1" spcCol="1270" anchor="ctr" anchorCtr="0">
+          <a:noAutofit/>
+        </a:bodyPr>
+        <a:lstStyle/>
+        <a:p>
+          <a:pPr lvl="0" algn="ctr" defTabSz="622300" rtl="0">
+            <a:lnSpc>
+              <a:spcPct val="90000"/>
+            </a:lnSpc>
+            <a:spcBef>
+              <a:spcPct val="0"/>
+            </a:spcBef>
+            <a:spcAft>
+              <a:spcPct val="35000"/>
+            </a:spcAft>
+          </a:pPr>
+          <a:r>
+            <a:rPr lang="en-US" sz="1400" b="1" kern="1200" baseline="0" dirty="0">
+              <a:latin typeface="Times New Roman" panose="02020603050405020304" pitchFamily="18" charset="0"/>
+              <a:cs typeface="Times New Roman" panose="02020603050405020304" pitchFamily="18" charset="0"/>
+            </a:rPr>
+            <a:t>Instructor(Now)</a:t>
+          </a:r>
+          <a:endParaRPr lang="en-US" sz="1400" kern="1200" dirty="0">
+            <a:latin typeface="Times New Roman" panose="02020603050405020304" pitchFamily="18" charset="0"/>
+            <a:cs typeface="Times New Roman" panose="02020603050405020304" pitchFamily="18" charset="0"/>
+          </a:endParaRPr>
+        </a:p>
+      </dsp:txBody>
+      <dsp:txXfrm>
+        <a:off x="373109" y="1965296"/>
+        <a:ext cx="1431488" cy="736968"/>
+      </dsp:txXfrm>
+    </dsp:sp>
+    <dsp:sp modelId="{2656222E-D64A-4B08-A85D-221DB764442B}">
+      <dsp:nvSpPr>
+        <dsp:cNvPr id="0" name=""/>
+        <dsp:cNvSpPr/>
+      </dsp:nvSpPr>
+      <dsp:spPr>
+        <a:xfrm>
+          <a:off x="1933567" y="2027939"/>
+          <a:ext cx="1529209" cy="611683"/>
+        </a:xfrm>
+        <a:prstGeom prst="chevron">
+          <a:avLst/>
+        </a:prstGeom>
+        <a:solidFill>
+          <a:schemeClr val="accent1">
+            <a:alpha val="90000"/>
+            <a:tint val="40000"/>
+            <a:hueOff val="0"/>
+            <a:satOff val="0"/>
+            <a:lumOff val="0"/>
+            <a:alphaOff val="0"/>
+          </a:schemeClr>
+        </a:solidFill>
+        <a:ln w="19050" cap="flat" cmpd="sng" algn="ctr">
+          <a:solidFill>
+            <a:schemeClr val="accent1">
+              <a:alpha val="90000"/>
+              <a:tint val="40000"/>
+              <a:hueOff val="0"/>
+              <a:satOff val="0"/>
+              <a:lumOff val="0"/>
+              <a:alphaOff val="0"/>
+            </a:schemeClr>
+          </a:solidFill>
+          <a:prstDash val="solid"/>
+        </a:ln>
+        <a:effectLst/>
+      </dsp:spPr>
+      <dsp:style>
+        <a:lnRef idx="2">
+          <a:scrgbClr r="0" g="0" b="0"/>
+        </a:lnRef>
+        <a:fillRef idx="1">
+          <a:scrgbClr r="0" g="0" b="0"/>
+        </a:fillRef>
+        <a:effectRef idx="0">
+          <a:scrgbClr r="0" g="0" b="0"/>
+        </a:effectRef>
+        <a:fontRef idx="minor"/>
+      </dsp:style>
+      <dsp:txBody>
+        <a:bodyPr spcFirstLastPara="0" vert="horz" wrap="square" lIns="17780" tIns="8890" rIns="0" bIns="8890" numCol="1" spcCol="1270" anchor="ctr" anchorCtr="0">
+          <a:noAutofit/>
+        </a:bodyPr>
+        <a:lstStyle/>
+        <a:p>
+          <a:pPr lvl="0" algn="ctr" defTabSz="622300" rtl="0">
+            <a:lnSpc>
+              <a:spcPct val="90000"/>
+            </a:lnSpc>
+            <a:spcBef>
+              <a:spcPct val="0"/>
+            </a:spcBef>
+            <a:spcAft>
+              <a:spcPct val="35000"/>
+            </a:spcAft>
+          </a:pPr>
+          <a:r>
+            <a:rPr lang="en-US" sz="1400" kern="1200" baseline="0" dirty="0">
+              <a:latin typeface="Times New Roman" panose="02020603050405020304" pitchFamily="18" charset="0"/>
+              <a:cs typeface="Times New Roman" panose="02020603050405020304" pitchFamily="18" charset="0"/>
+            </a:rPr>
+            <a:t>Web </a:t>
+          </a:r>
+          <a:r>
+            <a:rPr lang="en-US" sz="1400" kern="1200" baseline="0" dirty="0" smtClean="0">
+              <a:latin typeface="Times New Roman" panose="02020603050405020304" pitchFamily="18" charset="0"/>
+              <a:cs typeface="Times New Roman" panose="02020603050405020304" pitchFamily="18" charset="0"/>
+            </a:rPr>
+            <a:t>application.</a:t>
+          </a:r>
+          <a:endParaRPr lang="en-US" sz="1400" kern="1200" dirty="0">
+            <a:latin typeface="Times New Roman" panose="02020603050405020304" pitchFamily="18" charset="0"/>
+            <a:cs typeface="Times New Roman" panose="02020603050405020304" pitchFamily="18" charset="0"/>
+          </a:endParaRPr>
+        </a:p>
+      </dsp:txBody>
+      <dsp:txXfrm>
+        <a:off x="2239409" y="2027939"/>
+        <a:ext cx="917526" cy="611683"/>
+      </dsp:txXfrm>
+    </dsp:sp>
+    <dsp:sp modelId="{59ECF31A-0156-405E-9EE6-10BE123BFF6E}">
+      <dsp:nvSpPr>
+        <dsp:cNvPr id="0" name=""/>
+        <dsp:cNvSpPr/>
+      </dsp:nvSpPr>
+      <dsp:spPr>
+        <a:xfrm>
+          <a:off x="3248687" y="2027939"/>
+          <a:ext cx="1880912" cy="611683"/>
         </a:xfrm>
         <a:prstGeom prst="chevron">
           <a:avLst/>
@@ -8183,19 +8790,19 @@
         </a:p>
       </dsp:txBody>
       <dsp:txXfrm>
-        <a:off x="3452860" y="1503549"/>
-        <a:ext cx="981980" cy="654653"/>
+        <a:off x="3554529" y="2027939"/>
+        <a:ext cx="1269229" cy="611683"/>
       </dsp:txXfrm>
     </dsp:sp>
-    <dsp:sp modelId="{1B82D982-125A-4B17-9093-4DD998576D21}">
+    <dsp:sp modelId="{48765ED3-077E-4B76-A89E-7C26D9BBEBC4}">
       <dsp:nvSpPr>
         <dsp:cNvPr id="0" name=""/>
         <dsp:cNvSpPr/>
       </dsp:nvSpPr>
       <dsp:spPr>
         <a:xfrm>
-          <a:off x="4533038" y="1503549"/>
-          <a:ext cx="1636633" cy="654653"/>
+          <a:off x="4915510" y="2027939"/>
+          <a:ext cx="1529209" cy="611683"/>
         </a:xfrm>
         <a:prstGeom prst="chevron">
           <a:avLst/>
@@ -8255,32 +8862,32 @@
             </a:spcAft>
           </a:pPr>
           <a:r>
-            <a:rPr lang="en-US" sz="1400" kern="1200" baseline="0">
+            <a:rPr lang="en-US" sz="1400" kern="1200" baseline="0" dirty="0">
               <a:latin typeface="Times New Roman" panose="02020603050405020304" pitchFamily="18" charset="0"/>
               <a:cs typeface="Times New Roman" panose="02020603050405020304" pitchFamily="18" charset="0"/>
             </a:rPr>
             <a:t>QR code Generation.</a:t>
           </a:r>
-          <a:endParaRPr lang="en-US" sz="1400" kern="1200">
+          <a:endParaRPr lang="en-US" sz="1400" kern="1200" dirty="0">
             <a:latin typeface="Times New Roman" panose="02020603050405020304" pitchFamily="18" charset="0"/>
             <a:cs typeface="Times New Roman" panose="02020603050405020304" pitchFamily="18" charset="0"/>
           </a:endParaRPr>
         </a:p>
       </dsp:txBody>
       <dsp:txXfrm>
-        <a:off x="4860365" y="1503549"/>
-        <a:ext cx="981980" cy="654653"/>
+        <a:off x="5221352" y="2027939"/>
+        <a:ext cx="917526" cy="611683"/>
       </dsp:txXfrm>
     </dsp:sp>
-    <dsp:sp modelId="{0422B60C-0DD5-4DD4-B675-31405221A894}">
+    <dsp:sp modelId="{CE31B4AC-3DDB-4EC4-811E-AFA799FA1C15}">
       <dsp:nvSpPr>
         <dsp:cNvPr id="0" name=""/>
         <dsp:cNvSpPr/>
       </dsp:nvSpPr>
       <dsp:spPr>
         <a:xfrm>
-          <a:off x="5940542" y="1503549"/>
-          <a:ext cx="1636633" cy="654653"/>
+          <a:off x="6230630" y="2027939"/>
+          <a:ext cx="1529209" cy="611683"/>
         </a:xfrm>
         <a:prstGeom prst="chevron">
           <a:avLst/>
@@ -8353,19 +8960,19 @@
         </a:p>
       </dsp:txBody>
       <dsp:txXfrm>
-        <a:off x="6267869" y="1503549"/>
-        <a:ext cx="981980" cy="654653"/>
+        <a:off x="6536472" y="2027939"/>
+        <a:ext cx="917526" cy="611683"/>
       </dsp:txXfrm>
     </dsp:sp>
-    <dsp:sp modelId="{08E94FF5-BC66-4B8D-8967-BE71F1CB4EDC}">
+    <dsp:sp modelId="{120A6866-71AF-4668-87F2-2D737620263E}">
       <dsp:nvSpPr>
         <dsp:cNvPr id="0" name=""/>
         <dsp:cNvSpPr/>
       </dsp:nvSpPr>
       <dsp:spPr>
         <a:xfrm>
-          <a:off x="7348047" y="1503549"/>
-          <a:ext cx="1636633" cy="654653"/>
+          <a:off x="7545751" y="2027939"/>
+          <a:ext cx="1529209" cy="611683"/>
         </a:xfrm>
         <a:prstGeom prst="chevron">
           <a:avLst/>
@@ -8438,601 +9045,8 @@
         </a:p>
       </dsp:txBody>
       <dsp:txXfrm>
-        <a:off x="7675374" y="1503549"/>
-        <a:ext cx="981980" cy="654653"/>
-      </dsp:txXfrm>
-    </dsp:sp>
-    <dsp:sp modelId="{1F3A26B7-5C5F-444E-B2F4-81A4EF68D39C}">
-      <dsp:nvSpPr>
-        <dsp:cNvPr id="0" name=""/>
-        <dsp:cNvSpPr/>
-      </dsp:nvSpPr>
-      <dsp:spPr>
-        <a:xfrm>
-          <a:off x="8755552" y="1503549"/>
-          <a:ext cx="1636633" cy="654653"/>
-        </a:xfrm>
-        <a:prstGeom prst="chevron">
-          <a:avLst/>
-        </a:prstGeom>
-        <a:solidFill>
-          <a:schemeClr val="accent1">
-            <a:alpha val="90000"/>
-            <a:tint val="40000"/>
-            <a:hueOff val="0"/>
-            <a:satOff val="0"/>
-            <a:lumOff val="0"/>
-            <a:alphaOff val="0"/>
-          </a:schemeClr>
-        </a:solidFill>
-        <a:ln w="19050" cap="flat" cmpd="sng" algn="ctr">
-          <a:solidFill>
-            <a:schemeClr val="accent1">
-              <a:alpha val="90000"/>
-              <a:tint val="40000"/>
-              <a:hueOff val="0"/>
-              <a:satOff val="0"/>
-              <a:lumOff val="0"/>
-              <a:alphaOff val="0"/>
-            </a:schemeClr>
-          </a:solidFill>
-          <a:prstDash val="solid"/>
-        </a:ln>
-        <a:effectLst/>
-      </dsp:spPr>
-      <dsp:style>
-        <a:lnRef idx="2">
-          <a:scrgbClr r="0" g="0" b="0"/>
-        </a:lnRef>
-        <a:fillRef idx="1">
-          <a:scrgbClr r="0" g="0" b="0"/>
-        </a:fillRef>
-        <a:effectRef idx="0">
-          <a:scrgbClr r="0" g="0" b="0"/>
-        </a:effectRef>
-        <a:fontRef idx="minor"/>
-      </dsp:style>
-      <dsp:txBody>
-        <a:bodyPr spcFirstLastPara="0" vert="horz" wrap="square" lIns="17780" tIns="8890" rIns="0" bIns="8890" numCol="1" spcCol="1270" anchor="ctr" anchorCtr="0">
-          <a:noAutofit/>
-        </a:bodyPr>
-        <a:lstStyle/>
-        <a:p>
-          <a:pPr lvl="0" algn="ctr" defTabSz="622300" rtl="0">
-            <a:lnSpc>
-              <a:spcPct val="90000"/>
-            </a:lnSpc>
-            <a:spcBef>
-              <a:spcPct val="0"/>
-            </a:spcBef>
-            <a:spcAft>
-              <a:spcPct val="35000"/>
-            </a:spcAft>
-          </a:pPr>
-          <a:r>
-            <a:rPr lang="en-US" sz="1400" kern="1200" baseline="0" dirty="0">
-              <a:latin typeface="Times New Roman" panose="02020603050405020304" pitchFamily="18" charset="0"/>
-              <a:cs typeface="Times New Roman" panose="02020603050405020304" pitchFamily="18" charset="0"/>
-            </a:rPr>
-            <a:t>Appropriate Feedback</a:t>
-          </a:r>
-          <a:endParaRPr lang="en-US" sz="1400" kern="1200" dirty="0">
-            <a:latin typeface="Times New Roman" panose="02020603050405020304" pitchFamily="18" charset="0"/>
-            <a:cs typeface="Times New Roman" panose="02020603050405020304" pitchFamily="18" charset="0"/>
-          </a:endParaRPr>
-        </a:p>
-      </dsp:txBody>
-      <dsp:txXfrm>
-        <a:off x="9082879" y="1503549"/>
-        <a:ext cx="981980" cy="654653"/>
-      </dsp:txXfrm>
-    </dsp:sp>
-    <dsp:sp modelId="{3630A457-5CC4-40A5-A107-01C78963D87C}">
-      <dsp:nvSpPr>
-        <dsp:cNvPr id="0" name=""/>
-        <dsp:cNvSpPr/>
-      </dsp:nvSpPr>
-      <dsp:spPr>
-        <a:xfrm>
-          <a:off x="2521" y="2335668"/>
-          <a:ext cx="1971847" cy="788738"/>
-        </a:xfrm>
-        <a:prstGeom prst="chevron">
-          <a:avLst/>
-        </a:prstGeom>
-        <a:solidFill>
-          <a:schemeClr val="accent1">
-            <a:hueOff val="0"/>
-            <a:satOff val="0"/>
-            <a:lumOff val="0"/>
-            <a:alphaOff val="0"/>
-          </a:schemeClr>
-        </a:solidFill>
-        <a:ln w="19050" cap="flat" cmpd="sng" algn="ctr">
-          <a:solidFill>
-            <a:schemeClr val="lt1">
-              <a:hueOff val="0"/>
-              <a:satOff val="0"/>
-              <a:lumOff val="0"/>
-              <a:alphaOff val="0"/>
-            </a:schemeClr>
-          </a:solidFill>
-          <a:prstDash val="solid"/>
-        </a:ln>
-        <a:effectLst/>
-      </dsp:spPr>
-      <dsp:style>
-        <a:lnRef idx="2">
-          <a:scrgbClr r="0" g="0" b="0"/>
-        </a:lnRef>
-        <a:fillRef idx="1">
-          <a:scrgbClr r="0" g="0" b="0"/>
-        </a:fillRef>
-        <a:effectRef idx="0">
-          <a:scrgbClr r="0" g="0" b="0"/>
-        </a:effectRef>
-        <a:fontRef idx="minor">
-          <a:schemeClr val="lt1"/>
-        </a:fontRef>
-      </dsp:style>
-      <dsp:txBody>
-        <a:bodyPr spcFirstLastPara="0" vert="horz" wrap="square" lIns="17780" tIns="8890" rIns="0" bIns="8890" numCol="1" spcCol="1270" anchor="ctr" anchorCtr="0">
-          <a:noAutofit/>
-        </a:bodyPr>
-        <a:lstStyle/>
-        <a:p>
-          <a:pPr lvl="0" algn="ctr" defTabSz="622300" rtl="0">
-            <a:lnSpc>
-              <a:spcPct val="90000"/>
-            </a:lnSpc>
-            <a:spcBef>
-              <a:spcPct val="0"/>
-            </a:spcBef>
-            <a:spcAft>
-              <a:spcPct val="35000"/>
-            </a:spcAft>
-          </a:pPr>
-          <a:r>
-            <a:rPr lang="en-US" sz="1400" b="1" kern="1200" baseline="0" dirty="0">
-              <a:latin typeface="Times New Roman" panose="02020603050405020304" pitchFamily="18" charset="0"/>
-              <a:cs typeface="Times New Roman" panose="02020603050405020304" pitchFamily="18" charset="0"/>
-            </a:rPr>
-            <a:t>Instructor(Now)</a:t>
-          </a:r>
-          <a:endParaRPr lang="en-US" sz="1400" kern="1200" dirty="0">
-            <a:latin typeface="Times New Roman" panose="02020603050405020304" pitchFamily="18" charset="0"/>
-            <a:cs typeface="Times New Roman" panose="02020603050405020304" pitchFamily="18" charset="0"/>
-          </a:endParaRPr>
-        </a:p>
-      </dsp:txBody>
-      <dsp:txXfrm>
-        <a:off x="396890" y="2335668"/>
-        <a:ext cx="1183109" cy="788738"/>
-      </dsp:txXfrm>
-    </dsp:sp>
-    <dsp:sp modelId="{2656222E-D64A-4B08-A85D-221DB764442B}">
-      <dsp:nvSpPr>
-        <dsp:cNvPr id="0" name=""/>
-        <dsp:cNvSpPr/>
-      </dsp:nvSpPr>
-      <dsp:spPr>
-        <a:xfrm>
-          <a:off x="1718028" y="2402711"/>
-          <a:ext cx="1636633" cy="654653"/>
-        </a:xfrm>
-        <a:prstGeom prst="chevron">
-          <a:avLst/>
-        </a:prstGeom>
-        <a:solidFill>
-          <a:schemeClr val="accent1">
-            <a:alpha val="90000"/>
-            <a:tint val="40000"/>
-            <a:hueOff val="0"/>
-            <a:satOff val="0"/>
-            <a:lumOff val="0"/>
-            <a:alphaOff val="0"/>
-          </a:schemeClr>
-        </a:solidFill>
-        <a:ln w="19050" cap="flat" cmpd="sng" algn="ctr">
-          <a:solidFill>
-            <a:schemeClr val="accent1">
-              <a:alpha val="90000"/>
-              <a:tint val="40000"/>
-              <a:hueOff val="0"/>
-              <a:satOff val="0"/>
-              <a:lumOff val="0"/>
-              <a:alphaOff val="0"/>
-            </a:schemeClr>
-          </a:solidFill>
-          <a:prstDash val="solid"/>
-        </a:ln>
-        <a:effectLst/>
-      </dsp:spPr>
-      <dsp:style>
-        <a:lnRef idx="2">
-          <a:scrgbClr r="0" g="0" b="0"/>
-        </a:lnRef>
-        <a:fillRef idx="1">
-          <a:scrgbClr r="0" g="0" b="0"/>
-        </a:fillRef>
-        <a:effectRef idx="0">
-          <a:scrgbClr r="0" g="0" b="0"/>
-        </a:effectRef>
-        <a:fontRef idx="minor"/>
-      </dsp:style>
-      <dsp:txBody>
-        <a:bodyPr spcFirstLastPara="0" vert="horz" wrap="square" lIns="17780" tIns="8890" rIns="0" bIns="8890" numCol="1" spcCol="1270" anchor="ctr" anchorCtr="0">
-          <a:noAutofit/>
-        </a:bodyPr>
-        <a:lstStyle/>
-        <a:p>
-          <a:pPr lvl="0" algn="ctr" defTabSz="622300" rtl="0">
-            <a:lnSpc>
-              <a:spcPct val="90000"/>
-            </a:lnSpc>
-            <a:spcBef>
-              <a:spcPct val="0"/>
-            </a:spcBef>
-            <a:spcAft>
-              <a:spcPct val="35000"/>
-            </a:spcAft>
-          </a:pPr>
-          <a:r>
-            <a:rPr lang="en-US" sz="1400" kern="1200" baseline="0">
-              <a:latin typeface="Times New Roman" panose="02020603050405020304" pitchFamily="18" charset="0"/>
-              <a:cs typeface="Times New Roman" panose="02020603050405020304" pitchFamily="18" charset="0"/>
-            </a:rPr>
-            <a:t>Web application using JavaScript and node JS.</a:t>
-          </a:r>
-          <a:endParaRPr lang="en-US" sz="1400" kern="1200">
-            <a:latin typeface="Times New Roman" panose="02020603050405020304" pitchFamily="18" charset="0"/>
-            <a:cs typeface="Times New Roman" panose="02020603050405020304" pitchFamily="18" charset="0"/>
-          </a:endParaRPr>
-        </a:p>
-      </dsp:txBody>
-      <dsp:txXfrm>
-        <a:off x="2045355" y="2402711"/>
-        <a:ext cx="981980" cy="654653"/>
-      </dsp:txXfrm>
-    </dsp:sp>
-    <dsp:sp modelId="{59ECF31A-0156-405E-9EE6-10BE123BFF6E}">
-      <dsp:nvSpPr>
-        <dsp:cNvPr id="0" name=""/>
-        <dsp:cNvSpPr/>
-      </dsp:nvSpPr>
-      <dsp:spPr>
-        <a:xfrm>
-          <a:off x="3125533" y="2402711"/>
-          <a:ext cx="1636633" cy="654653"/>
-        </a:xfrm>
-        <a:prstGeom prst="chevron">
-          <a:avLst/>
-        </a:prstGeom>
-        <a:solidFill>
-          <a:schemeClr val="accent1">
-            <a:alpha val="90000"/>
-            <a:tint val="40000"/>
-            <a:hueOff val="0"/>
-            <a:satOff val="0"/>
-            <a:lumOff val="0"/>
-            <a:alphaOff val="0"/>
-          </a:schemeClr>
-        </a:solidFill>
-        <a:ln w="19050" cap="flat" cmpd="sng" algn="ctr">
-          <a:solidFill>
-            <a:schemeClr val="accent1">
-              <a:alpha val="90000"/>
-              <a:tint val="40000"/>
-              <a:hueOff val="0"/>
-              <a:satOff val="0"/>
-              <a:lumOff val="0"/>
-              <a:alphaOff val="0"/>
-            </a:schemeClr>
-          </a:solidFill>
-          <a:prstDash val="solid"/>
-        </a:ln>
-        <a:effectLst/>
-      </dsp:spPr>
-      <dsp:style>
-        <a:lnRef idx="2">
-          <a:scrgbClr r="0" g="0" b="0"/>
-        </a:lnRef>
-        <a:fillRef idx="1">
-          <a:scrgbClr r="0" g="0" b="0"/>
-        </a:fillRef>
-        <a:effectRef idx="0">
-          <a:scrgbClr r="0" g="0" b="0"/>
-        </a:effectRef>
-        <a:fontRef idx="minor"/>
-      </dsp:style>
-      <dsp:txBody>
-        <a:bodyPr spcFirstLastPara="0" vert="horz" wrap="square" lIns="17780" tIns="8890" rIns="0" bIns="8890" numCol="1" spcCol="1270" anchor="ctr" anchorCtr="0">
-          <a:noAutofit/>
-        </a:bodyPr>
-        <a:lstStyle/>
-        <a:p>
-          <a:pPr lvl="0" algn="ctr" defTabSz="622300" rtl="0">
-            <a:lnSpc>
-              <a:spcPct val="90000"/>
-            </a:lnSpc>
-            <a:spcBef>
-              <a:spcPct val="0"/>
-            </a:spcBef>
-            <a:spcAft>
-              <a:spcPct val="35000"/>
-            </a:spcAft>
-          </a:pPr>
-          <a:r>
-            <a:rPr lang="en-US" sz="1400" kern="1200" baseline="0">
-              <a:latin typeface="Times New Roman" panose="02020603050405020304" pitchFamily="18" charset="0"/>
-              <a:cs typeface="Times New Roman" panose="02020603050405020304" pitchFamily="18" charset="0"/>
-            </a:rPr>
-            <a:t>Authentication.</a:t>
-          </a:r>
-          <a:endParaRPr lang="en-US" sz="1400" kern="1200">
-            <a:latin typeface="Times New Roman" panose="02020603050405020304" pitchFamily="18" charset="0"/>
-            <a:cs typeface="Times New Roman" panose="02020603050405020304" pitchFamily="18" charset="0"/>
-          </a:endParaRPr>
-        </a:p>
-      </dsp:txBody>
-      <dsp:txXfrm>
-        <a:off x="3452860" y="2402711"/>
-        <a:ext cx="981980" cy="654653"/>
-      </dsp:txXfrm>
-    </dsp:sp>
-    <dsp:sp modelId="{48765ED3-077E-4B76-A89E-7C26D9BBEBC4}">
-      <dsp:nvSpPr>
-        <dsp:cNvPr id="0" name=""/>
-        <dsp:cNvSpPr/>
-      </dsp:nvSpPr>
-      <dsp:spPr>
-        <a:xfrm>
-          <a:off x="4533038" y="2402711"/>
-          <a:ext cx="1636633" cy="654653"/>
-        </a:xfrm>
-        <a:prstGeom prst="chevron">
-          <a:avLst/>
-        </a:prstGeom>
-        <a:solidFill>
-          <a:schemeClr val="accent1">
-            <a:alpha val="90000"/>
-            <a:tint val="40000"/>
-            <a:hueOff val="0"/>
-            <a:satOff val="0"/>
-            <a:lumOff val="0"/>
-            <a:alphaOff val="0"/>
-          </a:schemeClr>
-        </a:solidFill>
-        <a:ln w="19050" cap="flat" cmpd="sng" algn="ctr">
-          <a:solidFill>
-            <a:schemeClr val="accent1">
-              <a:alpha val="90000"/>
-              <a:tint val="40000"/>
-              <a:hueOff val="0"/>
-              <a:satOff val="0"/>
-              <a:lumOff val="0"/>
-              <a:alphaOff val="0"/>
-            </a:schemeClr>
-          </a:solidFill>
-          <a:prstDash val="solid"/>
-        </a:ln>
-        <a:effectLst/>
-      </dsp:spPr>
-      <dsp:style>
-        <a:lnRef idx="2">
-          <a:scrgbClr r="0" g="0" b="0"/>
-        </a:lnRef>
-        <a:fillRef idx="1">
-          <a:scrgbClr r="0" g="0" b="0"/>
-        </a:fillRef>
-        <a:effectRef idx="0">
-          <a:scrgbClr r="0" g="0" b="0"/>
-        </a:effectRef>
-        <a:fontRef idx="minor"/>
-      </dsp:style>
-      <dsp:txBody>
-        <a:bodyPr spcFirstLastPara="0" vert="horz" wrap="square" lIns="17780" tIns="8890" rIns="0" bIns="8890" numCol="1" spcCol="1270" anchor="ctr" anchorCtr="0">
-          <a:noAutofit/>
-        </a:bodyPr>
-        <a:lstStyle/>
-        <a:p>
-          <a:pPr lvl="0" algn="ctr" defTabSz="622300" rtl="0">
-            <a:lnSpc>
-              <a:spcPct val="90000"/>
-            </a:lnSpc>
-            <a:spcBef>
-              <a:spcPct val="0"/>
-            </a:spcBef>
-            <a:spcAft>
-              <a:spcPct val="35000"/>
-            </a:spcAft>
-          </a:pPr>
-          <a:r>
-            <a:rPr lang="en-US" sz="1400" kern="1200" baseline="0">
-              <a:latin typeface="Times New Roman" panose="02020603050405020304" pitchFamily="18" charset="0"/>
-              <a:cs typeface="Times New Roman" panose="02020603050405020304" pitchFamily="18" charset="0"/>
-            </a:rPr>
-            <a:t>QR code Generation.</a:t>
-          </a:r>
-          <a:endParaRPr lang="en-US" sz="1400" kern="1200">
-            <a:latin typeface="Times New Roman" panose="02020603050405020304" pitchFamily="18" charset="0"/>
-            <a:cs typeface="Times New Roman" panose="02020603050405020304" pitchFamily="18" charset="0"/>
-          </a:endParaRPr>
-        </a:p>
-      </dsp:txBody>
-      <dsp:txXfrm>
-        <a:off x="4860365" y="2402711"/>
-        <a:ext cx="981980" cy="654653"/>
-      </dsp:txXfrm>
-    </dsp:sp>
-    <dsp:sp modelId="{CE31B4AC-3DDB-4EC4-811E-AFA799FA1C15}">
-      <dsp:nvSpPr>
-        <dsp:cNvPr id="0" name=""/>
-        <dsp:cNvSpPr/>
-      </dsp:nvSpPr>
-      <dsp:spPr>
-        <a:xfrm>
-          <a:off x="5940542" y="2402711"/>
-          <a:ext cx="1636633" cy="654653"/>
-        </a:xfrm>
-        <a:prstGeom prst="chevron">
-          <a:avLst/>
-        </a:prstGeom>
-        <a:solidFill>
-          <a:schemeClr val="accent1">
-            <a:alpha val="90000"/>
-            <a:tint val="40000"/>
-            <a:hueOff val="0"/>
-            <a:satOff val="0"/>
-            <a:lumOff val="0"/>
-            <a:alphaOff val="0"/>
-          </a:schemeClr>
-        </a:solidFill>
-        <a:ln w="19050" cap="flat" cmpd="sng" algn="ctr">
-          <a:solidFill>
-            <a:schemeClr val="accent1">
-              <a:alpha val="90000"/>
-              <a:tint val="40000"/>
-              <a:hueOff val="0"/>
-              <a:satOff val="0"/>
-              <a:lumOff val="0"/>
-              <a:alphaOff val="0"/>
-            </a:schemeClr>
-          </a:solidFill>
-          <a:prstDash val="solid"/>
-        </a:ln>
-        <a:effectLst/>
-      </dsp:spPr>
-      <dsp:style>
-        <a:lnRef idx="2">
-          <a:scrgbClr r="0" g="0" b="0"/>
-        </a:lnRef>
-        <a:fillRef idx="1">
-          <a:scrgbClr r="0" g="0" b="0"/>
-        </a:fillRef>
-        <a:effectRef idx="0">
-          <a:scrgbClr r="0" g="0" b="0"/>
-        </a:effectRef>
-        <a:fontRef idx="minor"/>
-      </dsp:style>
-      <dsp:txBody>
-        <a:bodyPr spcFirstLastPara="0" vert="horz" wrap="square" lIns="17780" tIns="8890" rIns="0" bIns="8890" numCol="1" spcCol="1270" anchor="ctr" anchorCtr="0">
-          <a:noAutofit/>
-        </a:bodyPr>
-        <a:lstStyle/>
-        <a:p>
-          <a:pPr lvl="0" algn="ctr" defTabSz="622300" rtl="0">
-            <a:lnSpc>
-              <a:spcPct val="90000"/>
-            </a:lnSpc>
-            <a:spcBef>
-              <a:spcPct val="0"/>
-            </a:spcBef>
-            <a:spcAft>
-              <a:spcPct val="35000"/>
-            </a:spcAft>
-          </a:pPr>
-          <a:r>
-            <a:rPr lang="en-US" sz="1400" kern="1200" baseline="0">
-              <a:latin typeface="Times New Roman" panose="02020603050405020304" pitchFamily="18" charset="0"/>
-              <a:cs typeface="Times New Roman" panose="02020603050405020304" pitchFamily="18" charset="0"/>
-            </a:rPr>
-            <a:t>QR code Display.</a:t>
-          </a:r>
-          <a:endParaRPr lang="en-US" sz="1400" kern="1200">
-            <a:latin typeface="Times New Roman" panose="02020603050405020304" pitchFamily="18" charset="0"/>
-            <a:cs typeface="Times New Roman" panose="02020603050405020304" pitchFamily="18" charset="0"/>
-          </a:endParaRPr>
-        </a:p>
-      </dsp:txBody>
-      <dsp:txXfrm>
-        <a:off x="6267869" y="2402711"/>
-        <a:ext cx="981980" cy="654653"/>
-      </dsp:txXfrm>
-    </dsp:sp>
-    <dsp:sp modelId="{120A6866-71AF-4668-87F2-2D737620263E}">
-      <dsp:nvSpPr>
-        <dsp:cNvPr id="0" name=""/>
-        <dsp:cNvSpPr/>
-      </dsp:nvSpPr>
-      <dsp:spPr>
-        <a:xfrm>
-          <a:off x="7348047" y="2402711"/>
-          <a:ext cx="1636633" cy="654653"/>
-        </a:xfrm>
-        <a:prstGeom prst="chevron">
-          <a:avLst/>
-        </a:prstGeom>
-        <a:solidFill>
-          <a:schemeClr val="accent1">
-            <a:alpha val="90000"/>
-            <a:tint val="40000"/>
-            <a:hueOff val="0"/>
-            <a:satOff val="0"/>
-            <a:lumOff val="0"/>
-            <a:alphaOff val="0"/>
-          </a:schemeClr>
-        </a:solidFill>
-        <a:ln w="19050" cap="flat" cmpd="sng" algn="ctr">
-          <a:solidFill>
-            <a:schemeClr val="accent1">
-              <a:alpha val="90000"/>
-              <a:tint val="40000"/>
-              <a:hueOff val="0"/>
-              <a:satOff val="0"/>
-              <a:lumOff val="0"/>
-              <a:alphaOff val="0"/>
-            </a:schemeClr>
-          </a:solidFill>
-          <a:prstDash val="solid"/>
-        </a:ln>
-        <a:effectLst/>
-      </dsp:spPr>
-      <dsp:style>
-        <a:lnRef idx="2">
-          <a:scrgbClr r="0" g="0" b="0"/>
-        </a:lnRef>
-        <a:fillRef idx="1">
-          <a:scrgbClr r="0" g="0" b="0"/>
-        </a:fillRef>
-        <a:effectRef idx="0">
-          <a:scrgbClr r="0" g="0" b="0"/>
-        </a:effectRef>
-        <a:fontRef idx="minor"/>
-      </dsp:style>
-      <dsp:txBody>
-        <a:bodyPr spcFirstLastPara="0" vert="horz" wrap="square" lIns="17780" tIns="8890" rIns="0" bIns="8890" numCol="1" spcCol="1270" anchor="ctr" anchorCtr="0">
-          <a:noAutofit/>
-        </a:bodyPr>
-        <a:lstStyle/>
-        <a:p>
-          <a:pPr lvl="0" algn="ctr" defTabSz="622300" rtl="0">
-            <a:lnSpc>
-              <a:spcPct val="90000"/>
-            </a:lnSpc>
-            <a:spcBef>
-              <a:spcPct val="0"/>
-            </a:spcBef>
-            <a:spcAft>
-              <a:spcPct val="35000"/>
-            </a:spcAft>
-          </a:pPr>
-          <a:r>
-            <a:rPr lang="en-US" sz="1400" kern="1200" baseline="0">
-              <a:latin typeface="Times New Roman" panose="02020603050405020304" pitchFamily="18" charset="0"/>
-              <a:cs typeface="Times New Roman" panose="02020603050405020304" pitchFamily="18" charset="0"/>
-            </a:rPr>
-            <a:t>Manage the students attendance.</a:t>
-          </a:r>
-          <a:endParaRPr lang="en-US" sz="1400" kern="1200">
-            <a:latin typeface="Times New Roman" panose="02020603050405020304" pitchFamily="18" charset="0"/>
-            <a:cs typeface="Times New Roman" panose="02020603050405020304" pitchFamily="18" charset="0"/>
-          </a:endParaRPr>
-        </a:p>
-      </dsp:txBody>
-      <dsp:txXfrm>
-        <a:off x="7675374" y="2402711"/>
-        <a:ext cx="981980" cy="654653"/>
+        <a:off x="7851593" y="2027939"/>
+        <a:ext cx="917526" cy="611683"/>
       </dsp:txXfrm>
     </dsp:sp>
     <dsp:sp modelId="{86A88084-04D1-453D-9EB9-B02F0C23CC18}">
@@ -9042,8 +9056,8 @@
       </dsp:nvSpPr>
       <dsp:spPr>
         <a:xfrm>
-          <a:off x="8755552" y="2402711"/>
-          <a:ext cx="1636633" cy="654653"/>
+          <a:off x="8860871" y="2027939"/>
+          <a:ext cx="1529209" cy="611683"/>
         </a:xfrm>
         <a:prstGeom prst="chevron">
           <a:avLst/>
@@ -9116,8 +9130,8 @@
         </a:p>
       </dsp:txBody>
       <dsp:txXfrm>
-        <a:off x="9082879" y="2402711"/>
-        <a:ext cx="981980" cy="654653"/>
+        <a:off x="9166713" y="2027939"/>
+        <a:ext cx="917526" cy="611683"/>
       </dsp:txXfrm>
     </dsp:sp>
   </dsp:spTree>
@@ -9139,8 +9153,8 @@
       </dsp:nvSpPr>
       <dsp:spPr>
         <a:xfrm>
-          <a:off x="2521" y="811643"/>
-          <a:ext cx="1971847" cy="788738"/>
+          <a:off x="2803" y="1184015"/>
+          <a:ext cx="2298635" cy="716666"/>
         </a:xfrm>
         <a:prstGeom prst="chevron">
           <a:avLst/>
@@ -9211,8 +9225,8 @@
         </a:p>
       </dsp:txBody>
       <dsp:txXfrm>
-        <a:off x="396890" y="811643"/>
-        <a:ext cx="1183109" cy="788738"/>
+        <a:off x="361136" y="1184015"/>
+        <a:ext cx="1581969" cy="716666"/>
       </dsp:txXfrm>
     </dsp:sp>
     <dsp:sp modelId="{7043D3F6-DA2C-4993-AFDC-234B2F74DB3E}">
@@ -9222,8 +9236,8 @@
       </dsp:nvSpPr>
       <dsp:spPr>
         <a:xfrm>
-          <a:off x="1718028" y="878686"/>
-          <a:ext cx="1636633" cy="654653"/>
+          <a:off x="2068522" y="1244931"/>
+          <a:ext cx="1487082" cy="594833"/>
         </a:xfrm>
         <a:prstGeom prst="chevron">
           <a:avLst/>
@@ -9296,8 +9310,8 @@
         </a:p>
       </dsp:txBody>
       <dsp:txXfrm>
-        <a:off x="2045355" y="878686"/>
-        <a:ext cx="981980" cy="654653"/>
+        <a:off x="2365939" y="1244931"/>
+        <a:ext cx="892249" cy="594833"/>
       </dsp:txXfrm>
     </dsp:sp>
     <dsp:sp modelId="{E76D64D2-A9E1-49C2-8DE1-C0B744CA3EE9}">
@@ -9307,8 +9321,8 @@
       </dsp:nvSpPr>
       <dsp:spPr>
         <a:xfrm>
-          <a:off x="3125533" y="878686"/>
-          <a:ext cx="1636633" cy="654653"/>
+          <a:off x="3347413" y="1244931"/>
+          <a:ext cx="1487082" cy="594833"/>
         </a:xfrm>
         <a:prstGeom prst="chevron">
           <a:avLst/>
@@ -9381,8 +9395,8 @@
         </a:p>
       </dsp:txBody>
       <dsp:txXfrm>
-        <a:off x="3452860" y="878686"/>
-        <a:ext cx="981980" cy="654653"/>
+        <a:off x="3644830" y="1244931"/>
+        <a:ext cx="892249" cy="594833"/>
       </dsp:txXfrm>
     </dsp:sp>
     <dsp:sp modelId="{B4AA8CBE-2637-49F4-8D4B-18E5DC70FFEB}">
@@ -9392,8 +9406,8 @@
       </dsp:nvSpPr>
       <dsp:spPr>
         <a:xfrm>
-          <a:off x="4533038" y="878686"/>
-          <a:ext cx="1636633" cy="654653"/>
+          <a:off x="4626304" y="1244931"/>
+          <a:ext cx="1487082" cy="594833"/>
         </a:xfrm>
         <a:prstGeom prst="chevron">
           <a:avLst/>
@@ -9466,8 +9480,8 @@
         </a:p>
       </dsp:txBody>
       <dsp:txXfrm>
-        <a:off x="4860365" y="878686"/>
-        <a:ext cx="981980" cy="654653"/>
+        <a:off x="4923721" y="1244931"/>
+        <a:ext cx="892249" cy="594833"/>
       </dsp:txXfrm>
     </dsp:sp>
     <dsp:sp modelId="{6A586E54-E152-4EA2-B9E8-BF172B3BB227}">
@@ -9477,8 +9491,8 @@
       </dsp:nvSpPr>
       <dsp:spPr>
         <a:xfrm>
-          <a:off x="5940542" y="878686"/>
-          <a:ext cx="1636633" cy="654653"/>
+          <a:off x="5905195" y="1244931"/>
+          <a:ext cx="1487082" cy="594833"/>
         </a:xfrm>
         <a:prstGeom prst="chevron">
           <a:avLst/>
@@ -9551,8 +9565,8 @@
         </a:p>
       </dsp:txBody>
       <dsp:txXfrm>
-        <a:off x="6267869" y="878686"/>
-        <a:ext cx="981980" cy="654653"/>
+        <a:off x="6202612" y="1244931"/>
+        <a:ext cx="892249" cy="594833"/>
       </dsp:txXfrm>
     </dsp:sp>
     <dsp:sp modelId="{744E4917-4B35-4A72-8BCD-58516B3775E9}">
@@ -9562,8 +9576,8 @@
       </dsp:nvSpPr>
       <dsp:spPr>
         <a:xfrm>
-          <a:off x="7348047" y="878686"/>
-          <a:ext cx="1636633" cy="654653"/>
+          <a:off x="7184086" y="1244931"/>
+          <a:ext cx="1487082" cy="594833"/>
         </a:xfrm>
         <a:prstGeom prst="chevron">
           <a:avLst/>
@@ -9636,8 +9650,8 @@
         </a:p>
       </dsp:txBody>
       <dsp:txXfrm>
-        <a:off x="7675374" y="878686"/>
-        <a:ext cx="981980" cy="654653"/>
+        <a:off x="7481503" y="1244931"/>
+        <a:ext cx="892249" cy="594833"/>
       </dsp:txXfrm>
     </dsp:sp>
     <dsp:sp modelId="{7CA2308A-0040-43B1-9358-E3AEFF39E55E}">
@@ -9647,8 +9661,8 @@
       </dsp:nvSpPr>
       <dsp:spPr>
         <a:xfrm>
-          <a:off x="8755552" y="878686"/>
-          <a:ext cx="1636633" cy="654653"/>
+          <a:off x="8462977" y="1244931"/>
+          <a:ext cx="1487082" cy="594833"/>
         </a:xfrm>
         <a:prstGeom prst="chevron">
           <a:avLst/>
@@ -9721,8 +9735,8 @@
         </a:p>
       </dsp:txBody>
       <dsp:txXfrm>
-        <a:off x="9082879" y="878686"/>
-        <a:ext cx="981980" cy="654653"/>
+        <a:off x="8760394" y="1244931"/>
+        <a:ext cx="892249" cy="594833"/>
       </dsp:txXfrm>
     </dsp:sp>
     <dsp:sp modelId="{94FBA5BC-C6BE-4CFB-AAFE-632C3D6BA861}">
@@ -9732,8 +9746,8 @@
       </dsp:nvSpPr>
       <dsp:spPr>
         <a:xfrm>
-          <a:off x="2521" y="1710806"/>
-          <a:ext cx="1971847" cy="788738"/>
+          <a:off x="2803" y="2001014"/>
+          <a:ext cx="2740478" cy="716666"/>
         </a:xfrm>
         <a:prstGeom prst="chevron">
           <a:avLst/>
@@ -9804,8 +9818,8 @@
         </a:p>
       </dsp:txBody>
       <dsp:txXfrm>
-        <a:off x="396890" y="1710806"/>
-        <a:ext cx="1183109" cy="788738"/>
+        <a:off x="361136" y="2001014"/>
+        <a:ext cx="2023812" cy="716666"/>
       </dsp:txXfrm>
     </dsp:sp>
     <dsp:sp modelId="{BA82D5BB-39AE-42EB-BE1E-695C631B75F6}">
@@ -9815,8 +9829,8 @@
       </dsp:nvSpPr>
       <dsp:spPr>
         <a:xfrm>
-          <a:off x="1718028" y="1777849"/>
-          <a:ext cx="1636633" cy="654653"/>
+          <a:off x="2510365" y="2061931"/>
+          <a:ext cx="1487082" cy="594833"/>
         </a:xfrm>
         <a:prstGeom prst="chevron">
           <a:avLst/>
@@ -9889,8 +9903,8 @@
         </a:p>
       </dsp:txBody>
       <dsp:txXfrm>
-        <a:off x="2045355" y="1777849"/>
-        <a:ext cx="981980" cy="654653"/>
+        <a:off x="2807782" y="2061931"/>
+        <a:ext cx="892249" cy="594833"/>
       </dsp:txXfrm>
     </dsp:sp>
     <dsp:sp modelId="{9E64F5DB-0B5E-4FD6-9BAE-3992EC1EB009}">
@@ -9900,8 +9914,8 @@
       </dsp:nvSpPr>
       <dsp:spPr>
         <a:xfrm>
-          <a:off x="3125533" y="1777849"/>
-          <a:ext cx="1636633" cy="654653"/>
+          <a:off x="3789256" y="2061931"/>
+          <a:ext cx="1487082" cy="594833"/>
         </a:xfrm>
         <a:prstGeom prst="chevron">
           <a:avLst/>
@@ -9974,8 +9988,8 @@
         </a:p>
       </dsp:txBody>
       <dsp:txXfrm>
-        <a:off x="3452860" y="1777849"/>
-        <a:ext cx="981980" cy="654653"/>
+        <a:off x="4086673" y="2061931"/>
+        <a:ext cx="892249" cy="594833"/>
       </dsp:txXfrm>
     </dsp:sp>
     <dsp:sp modelId="{B041A7D8-4560-4EF1-9763-213F59725A7E}">
@@ -9985,8 +9999,8 @@
       </dsp:nvSpPr>
       <dsp:spPr>
         <a:xfrm>
-          <a:off x="4533038" y="1777849"/>
-          <a:ext cx="1636633" cy="654653"/>
+          <a:off x="5068147" y="2061931"/>
+          <a:ext cx="1487082" cy="594833"/>
         </a:xfrm>
         <a:prstGeom prst="chevron">
           <a:avLst/>
@@ -10059,8 +10073,8 @@
         </a:p>
       </dsp:txBody>
       <dsp:txXfrm>
-        <a:off x="4860365" y="1777849"/>
-        <a:ext cx="981980" cy="654653"/>
+        <a:off x="5365564" y="2061931"/>
+        <a:ext cx="892249" cy="594833"/>
       </dsp:txXfrm>
     </dsp:sp>
     <dsp:sp modelId="{067CBF43-7801-49FD-994E-7E4EB2B8E06C}">
@@ -10070,8 +10084,8 @@
       </dsp:nvSpPr>
       <dsp:spPr>
         <a:xfrm>
-          <a:off x="5940542" y="1777849"/>
-          <a:ext cx="1636633" cy="654653"/>
+          <a:off x="6347038" y="2061931"/>
+          <a:ext cx="1487082" cy="594833"/>
         </a:xfrm>
         <a:prstGeom prst="chevron">
           <a:avLst/>
@@ -10144,8 +10158,8 @@
         </a:p>
       </dsp:txBody>
       <dsp:txXfrm>
-        <a:off x="6267869" y="1777849"/>
-        <a:ext cx="981980" cy="654653"/>
+        <a:off x="6644455" y="2061931"/>
+        <a:ext cx="892249" cy="594833"/>
       </dsp:txXfrm>
     </dsp:sp>
     <dsp:sp modelId="{C07FEBDB-C1F3-41EF-AD6C-EABA431EB521}">
@@ -10155,8 +10169,8 @@
       </dsp:nvSpPr>
       <dsp:spPr>
         <a:xfrm>
-          <a:off x="7348047" y="1777849"/>
-          <a:ext cx="1636633" cy="654653"/>
+          <a:off x="7625929" y="2061931"/>
+          <a:ext cx="1487082" cy="594833"/>
         </a:xfrm>
         <a:prstGeom prst="chevron">
           <a:avLst/>
@@ -10229,8 +10243,8 @@
         </a:p>
       </dsp:txBody>
       <dsp:txXfrm>
-        <a:off x="7675374" y="1777849"/>
-        <a:ext cx="981980" cy="654653"/>
+        <a:off x="7923346" y="2061931"/>
+        <a:ext cx="892249" cy="594833"/>
       </dsp:txXfrm>
     </dsp:sp>
     <dsp:sp modelId="{89883161-4AC0-43EF-A757-DF79B756FAB4}">
@@ -10240,8 +10254,8 @@
       </dsp:nvSpPr>
       <dsp:spPr>
         <a:xfrm>
-          <a:off x="8755552" y="1777849"/>
-          <a:ext cx="1636633" cy="654653"/>
+          <a:off x="8904820" y="2061931"/>
+          <a:ext cx="1487082" cy="594833"/>
         </a:xfrm>
         <a:prstGeom prst="chevron">
           <a:avLst/>
@@ -10314,8 +10328,8 @@
         </a:p>
       </dsp:txBody>
       <dsp:txXfrm>
-        <a:off x="9082879" y="1777849"/>
-        <a:ext cx="981980" cy="654653"/>
+        <a:off x="9202237" y="2061931"/>
+        <a:ext cx="892249" cy="594833"/>
       </dsp:txXfrm>
     </dsp:sp>
   </dsp:spTree>
@@ -21513,7 +21527,7 @@
           <a:p>
             <a:fld id="{00374A3D-E549-4259-8714-A9DCBD56E69C}" type="datetimeFigureOut">
               <a:rPr lang="en-US" smtClean="0"/>
-              <a:t>11/16/2017</a:t>
+              <a:t>11/17/2017</a:t>
             </a:fld>
             <a:endParaRPr lang="en-US"/>
           </a:p>
@@ -21857,7 +21871,7 @@
           <a:p>
             <a:fld id="{00374A3D-E549-4259-8714-A9DCBD56E69C}" type="datetimeFigureOut">
               <a:rPr lang="en-US" smtClean="0"/>
-              <a:t>11/16/2017</a:t>
+              <a:t>11/17/2017</a:t>
             </a:fld>
             <a:endParaRPr lang="en-US"/>
           </a:p>
@@ -22065,7 +22079,7 @@
           <a:p>
             <a:fld id="{00374A3D-E549-4259-8714-A9DCBD56E69C}" type="datetimeFigureOut">
               <a:rPr lang="en-US" smtClean="0"/>
-              <a:t>11/16/2017</a:t>
+              <a:t>11/17/2017</a:t>
             </a:fld>
             <a:endParaRPr lang="en-US"/>
           </a:p>
@@ -22347,7 +22361,7 @@
           <a:p>
             <a:fld id="{00374A3D-E549-4259-8714-A9DCBD56E69C}" type="datetimeFigureOut">
               <a:rPr lang="en-US" smtClean="0"/>
-              <a:t>11/16/2017</a:t>
+              <a:t>11/17/2017</a:t>
             </a:fld>
             <a:endParaRPr lang="en-US"/>
           </a:p>
@@ -22787,7 +22801,7 @@
           <a:p>
             <a:fld id="{00374A3D-E549-4259-8714-A9DCBD56E69C}" type="datetimeFigureOut">
               <a:rPr lang="en-US" smtClean="0"/>
-              <a:t>11/16/2017</a:t>
+              <a:t>11/17/2017</a:t>
             </a:fld>
             <a:endParaRPr lang="en-US"/>
           </a:p>
@@ -23349,7 +23363,7 @@
           <a:p>
             <a:fld id="{00374A3D-E549-4259-8714-A9DCBD56E69C}" type="datetimeFigureOut">
               <a:rPr lang="en-US" smtClean="0"/>
-              <a:t>11/16/2017</a:t>
+              <a:t>11/17/2017</a:t>
             </a:fld>
             <a:endParaRPr lang="en-US"/>
           </a:p>
@@ -24151,7 +24165,7 @@
           <a:p>
             <a:fld id="{00374A3D-E549-4259-8714-A9DCBD56E69C}" type="datetimeFigureOut">
               <a:rPr lang="en-US" smtClean="0"/>
-              <a:t>11/16/2017</a:t>
+              <a:t>11/17/2017</a:t>
             </a:fld>
             <a:endParaRPr lang="en-US"/>
           </a:p>
@@ -24342,7 +24356,7 @@
           <a:p>
             <a:fld id="{00374A3D-E549-4259-8714-A9DCBD56E69C}" type="datetimeFigureOut">
               <a:rPr lang="en-US" smtClean="0"/>
-              <a:t>11/16/2017</a:t>
+              <a:t>11/17/2017</a:t>
             </a:fld>
             <a:endParaRPr lang="en-US"/>
           </a:p>
@@ -24538,7 +24552,7 @@
           <a:p>
             <a:fld id="{00374A3D-E549-4259-8714-A9DCBD56E69C}" type="datetimeFigureOut">
               <a:rPr lang="en-US" smtClean="0"/>
-              <a:t>11/16/2017</a:t>
+              <a:t>11/17/2017</a:t>
             </a:fld>
             <a:endParaRPr lang="en-US"/>
           </a:p>
@@ -24724,7 +24738,7 @@
           <a:p>
             <a:fld id="{00374A3D-E549-4259-8714-A9DCBD56E69C}" type="datetimeFigureOut">
               <a:rPr lang="en-US" smtClean="0"/>
-              <a:t>11/16/2017</a:t>
+              <a:t>11/17/2017</a:t>
             </a:fld>
             <a:endParaRPr lang="en-US"/>
           </a:p>
@@ -24911,7 +24925,7 @@
           <a:p>
             <a:fld id="{00374A3D-E549-4259-8714-A9DCBD56E69C}" type="datetimeFigureOut">
               <a:rPr lang="en-US" smtClean="0"/>
-              <a:t>11/16/2017</a:t>
+              <a:t>11/17/2017</a:t>
             </a:fld>
             <a:endParaRPr lang="en-US"/>
           </a:p>
@@ -25173,7 +25187,7 @@
           <a:p>
             <a:fld id="{00374A3D-E549-4259-8714-A9DCBD56E69C}" type="datetimeFigureOut">
               <a:rPr lang="en-US" smtClean="0"/>
-              <a:t>11/16/2017</a:t>
+              <a:t>11/17/2017</a:t>
             </a:fld>
             <a:endParaRPr lang="en-US"/>
           </a:p>
@@ -25422,7 +25436,7 @@
           <a:p>
             <a:fld id="{00374A3D-E549-4259-8714-A9DCBD56E69C}" type="datetimeFigureOut">
               <a:rPr lang="en-US" smtClean="0"/>
-              <a:t>11/16/2017</a:t>
+              <a:t>11/17/2017</a:t>
             </a:fld>
             <a:endParaRPr lang="en-US"/>
           </a:p>
@@ -25819,7 +25833,7 @@
           <a:p>
             <a:fld id="{00374A3D-E549-4259-8714-A9DCBD56E69C}" type="datetimeFigureOut">
               <a:rPr lang="en-US" smtClean="0"/>
-              <a:t>11/16/2017</a:t>
+              <a:t>11/17/2017</a:t>
             </a:fld>
             <a:endParaRPr lang="en-US"/>
           </a:p>
@@ -25949,7 +25963,7 @@
           <a:p>
             <a:fld id="{00374A3D-E549-4259-8714-A9DCBD56E69C}" type="datetimeFigureOut">
               <a:rPr lang="en-US" smtClean="0"/>
-              <a:t>11/16/2017</a:t>
+              <a:t>11/17/2017</a:t>
             </a:fld>
             <a:endParaRPr lang="en-US"/>
           </a:p>
@@ -26056,7 +26070,7 @@
           <a:p>
             <a:fld id="{00374A3D-E549-4259-8714-A9DCBD56E69C}" type="datetimeFigureOut">
               <a:rPr lang="en-US" smtClean="0"/>
-              <a:t>11/16/2017</a:t>
+              <a:t>11/17/2017</a:t>
             </a:fld>
             <a:endParaRPr lang="en-US"/>
           </a:p>
@@ -26321,7 +26335,7 @@
           <a:p>
             <a:fld id="{00374A3D-E549-4259-8714-A9DCBD56E69C}" type="datetimeFigureOut">
               <a:rPr lang="en-US" smtClean="0"/>
-              <a:t>11/16/2017</a:t>
+              <a:t>11/17/2017</a:t>
             </a:fld>
             <a:endParaRPr lang="en-US"/>
           </a:p>
@@ -26602,7 +26616,7 @@
           <a:p>
             <a:fld id="{00374A3D-E549-4259-8714-A9DCBD56E69C}" type="datetimeFigureOut">
               <a:rPr lang="en-US" smtClean="0"/>
-              <a:t>11/16/2017</a:t>
+              <a:t>11/17/2017</a:t>
             </a:fld>
             <a:endParaRPr lang="en-US"/>
           </a:p>
@@ -27017,7 +27031,7 @@
           <a:p>
             <a:fld id="{00374A3D-E549-4259-8714-A9DCBD56E69C}" type="datetimeFigureOut">
               <a:rPr lang="en-US" smtClean="0"/>
-              <a:t>11/16/2017</a:t>
+              <a:t>11/17/2017</a:t>
             </a:fld>
             <a:endParaRPr lang="en-US"/>
           </a:p>
@@ -32891,14 +32905,14 @@
             <p:ph sz="quarter" idx="13"/>
             <p:extLst>
               <p:ext uri="{D42A27DB-BD31-4B8C-83A1-F6EECF244321}">
-                <p14:modId xmlns:p14="http://schemas.microsoft.com/office/powerpoint/2010/main" val="1168526475"/>
+                <p14:modId xmlns:p14="http://schemas.microsoft.com/office/powerpoint/2010/main" val="2570027354"/>
               </p:ext>
             </p:extLst>
           </p:nvPr>
         </p:nvGraphicFramePr>
         <p:xfrm>
-          <a:off x="685800" y="1162595"/>
-          <a:ext cx="10394707" cy="4560914"/>
+          <a:off x="685800" y="1554480"/>
+          <a:ext cx="10394707" cy="3827418"/>
         </p:xfrm>
         <a:graphic>
           <a:graphicData uri="http://schemas.openxmlformats.org/drawingml/2006/diagram">
@@ -33474,14 +33488,14 @@
             <p:ph sz="quarter" idx="13"/>
             <p:extLst>
               <p:ext uri="{D42A27DB-BD31-4B8C-83A1-F6EECF244321}">
-                <p14:modId xmlns:p14="http://schemas.microsoft.com/office/powerpoint/2010/main" val="1295095864"/>
+                <p14:modId xmlns:p14="http://schemas.microsoft.com/office/powerpoint/2010/main" val="2855045955"/>
               </p:ext>
             </p:extLst>
           </p:nvPr>
         </p:nvGraphicFramePr>
         <p:xfrm>
-          <a:off x="685800" y="2063396"/>
-          <a:ext cx="10394707" cy="3311189"/>
+          <a:off x="685800" y="1610830"/>
+          <a:ext cx="10394707" cy="3901696"/>
         </p:xfrm>
         <a:graphic>
           <a:graphicData uri="http://schemas.openxmlformats.org/drawingml/2006/diagram">
